--- a/docs/diagrams/ModelComponentClassDiagram.pptx
+++ b/docs/diagrams/ModelComponentClassDiagram.pptx
@@ -5,10 +5,11 @@
     <p:sldMasterId id="2147483648" r:id="rId1"/>
   </p:sldMasterIdLst>
   <p:notesMasterIdLst>
-    <p:notesMasterId r:id="rId3"/>
+    <p:notesMasterId r:id="rId4"/>
   </p:notesMasterIdLst>
   <p:sldIdLst>
     <p:sldId id="263" r:id="rId2"/>
+    <p:sldId id="264" r:id="rId3"/>
   </p:sldIdLst>
   <p:sldSz cx="9144000" cy="6858000" type="screen4x3"/>
   <p:notesSz cx="6858000" cy="9144000"/>
@@ -208,7 +209,7 @@
           <a:p>
             <a:fld id="{F5CC4B3F-88C1-4FFA-B1B6-F41C21DC6924}" type="datetimeFigureOut">
               <a:rPr lang="en-US" smtClean="0"/>
-              <a:t>9/4/17</a:t>
+              <a:t>10/24/17</a:t>
             </a:fld>
             <a:endParaRPr lang="en-US"/>
           </a:p>
@@ -657,7 +658,7 @@
           <a:p>
             <a:fld id="{78C97017-6FC3-485B-9764-EAC9E56C1D49}" type="datetimeFigureOut">
               <a:rPr lang="en-US" smtClean="0"/>
-              <a:t>9/4/17</a:t>
+              <a:t>10/24/17</a:t>
             </a:fld>
             <a:endParaRPr lang="en-US"/>
           </a:p>
@@ -827,7 +828,7 @@
           <a:p>
             <a:fld id="{78C97017-6FC3-485B-9764-EAC9E56C1D49}" type="datetimeFigureOut">
               <a:rPr lang="en-US" smtClean="0"/>
-              <a:t>9/4/17</a:t>
+              <a:t>10/24/17</a:t>
             </a:fld>
             <a:endParaRPr lang="en-US"/>
           </a:p>
@@ -1007,7 +1008,7 @@
           <a:p>
             <a:fld id="{78C97017-6FC3-485B-9764-EAC9E56C1D49}" type="datetimeFigureOut">
               <a:rPr lang="en-US" smtClean="0"/>
-              <a:t>9/4/17</a:t>
+              <a:t>10/24/17</a:t>
             </a:fld>
             <a:endParaRPr lang="en-US"/>
           </a:p>
@@ -1177,7 +1178,7 @@
           <a:p>
             <a:fld id="{78C97017-6FC3-485B-9764-EAC9E56C1D49}" type="datetimeFigureOut">
               <a:rPr lang="en-US" smtClean="0"/>
-              <a:t>9/4/17</a:t>
+              <a:t>10/24/17</a:t>
             </a:fld>
             <a:endParaRPr lang="en-US"/>
           </a:p>
@@ -1423,7 +1424,7 @@
           <a:p>
             <a:fld id="{78C97017-6FC3-485B-9764-EAC9E56C1D49}" type="datetimeFigureOut">
               <a:rPr lang="en-US" smtClean="0"/>
-              <a:t>9/4/17</a:t>
+              <a:t>10/24/17</a:t>
             </a:fld>
             <a:endParaRPr lang="en-US"/>
           </a:p>
@@ -1711,7 +1712,7 @@
           <a:p>
             <a:fld id="{78C97017-6FC3-485B-9764-EAC9E56C1D49}" type="datetimeFigureOut">
               <a:rPr lang="en-US" smtClean="0"/>
-              <a:t>9/4/17</a:t>
+              <a:t>10/24/17</a:t>
             </a:fld>
             <a:endParaRPr lang="en-US"/>
           </a:p>
@@ -2133,7 +2134,7 @@
           <a:p>
             <a:fld id="{78C97017-6FC3-485B-9764-EAC9E56C1D49}" type="datetimeFigureOut">
               <a:rPr lang="en-US" smtClean="0"/>
-              <a:t>9/4/17</a:t>
+              <a:t>10/24/17</a:t>
             </a:fld>
             <a:endParaRPr lang="en-US"/>
           </a:p>
@@ -2251,7 +2252,7 @@
           <a:p>
             <a:fld id="{78C97017-6FC3-485B-9764-EAC9E56C1D49}" type="datetimeFigureOut">
               <a:rPr lang="en-US" smtClean="0"/>
-              <a:t>9/4/17</a:t>
+              <a:t>10/24/17</a:t>
             </a:fld>
             <a:endParaRPr lang="en-US"/>
           </a:p>
@@ -2346,7 +2347,7 @@
           <a:p>
             <a:fld id="{78C97017-6FC3-485B-9764-EAC9E56C1D49}" type="datetimeFigureOut">
               <a:rPr lang="en-US" smtClean="0"/>
-              <a:t>9/4/17</a:t>
+              <a:t>10/24/17</a:t>
             </a:fld>
             <a:endParaRPr lang="en-US"/>
           </a:p>
@@ -2623,7 +2624,7 @@
           <a:p>
             <a:fld id="{78C97017-6FC3-485B-9764-EAC9E56C1D49}" type="datetimeFigureOut">
               <a:rPr lang="en-US" smtClean="0"/>
-              <a:t>9/4/17</a:t>
+              <a:t>10/24/17</a:t>
             </a:fld>
             <a:endParaRPr lang="en-US"/>
           </a:p>
@@ -2876,7 +2877,7 @@
           <a:p>
             <a:fld id="{78C97017-6FC3-485B-9764-EAC9E56C1D49}" type="datetimeFigureOut">
               <a:rPr lang="en-US" smtClean="0"/>
-              <a:t>9/4/17</a:t>
+              <a:t>10/24/17</a:t>
             </a:fld>
             <a:endParaRPr lang="en-US"/>
           </a:p>
@@ -3089,7 +3090,7 @@
           <a:p>
             <a:fld id="{78C97017-6FC3-485B-9764-EAC9E56C1D49}" type="datetimeFigureOut">
               <a:rPr lang="en-US" smtClean="0"/>
-              <a:t>9/4/17</a:t>
+              <a:t>10/24/17</a:t>
             </a:fld>
             <a:endParaRPr lang="en-US"/>
           </a:p>
@@ -3533,8 +3534,8 @@
         </p:nvSpPr>
         <p:spPr>
           <a:xfrm>
-            <a:off x="2877180" y="3158440"/>
-            <a:ext cx="1093635" cy="346760"/>
+            <a:off x="2877180" y="3152503"/>
+            <a:ext cx="1093635" cy="380667"/>
           </a:xfrm>
           <a:prstGeom prst="rect">
             <a:avLst/>
@@ -3856,8 +3857,8 @@
         </p:nvCxnSpPr>
         <p:spPr>
           <a:xfrm>
-            <a:off x="2656370" y="3326536"/>
-            <a:ext cx="220810" cy="5284"/>
+            <a:off x="2656370" y="3342310"/>
+            <a:ext cx="220810" cy="527"/>
           </a:xfrm>
           <a:prstGeom prst="straightConnector1">
             <a:avLst/>
@@ -4029,7 +4030,7 @@
         </p:nvSpPr>
         <p:spPr>
           <a:xfrm>
-            <a:off x="2420322" y="3239846"/>
+            <a:off x="2420322" y="3255620"/>
             <a:ext cx="236048" cy="173380"/>
           </a:xfrm>
           <a:prstGeom prst="flowChartDecision">
@@ -4074,8 +4075,8 @@
         </p:nvSpPr>
         <p:spPr>
           <a:xfrm>
-            <a:off x="2879490" y="2627420"/>
-            <a:ext cx="1093635" cy="346760"/>
+            <a:off x="2879490" y="2618621"/>
+            <a:ext cx="1093635" cy="370506"/>
           </a:xfrm>
           <a:prstGeom prst="rect">
             <a:avLst/>
@@ -4132,9 +4133,9 @@
           <p:nvPr/>
         </p:nvCxnSpPr>
         <p:spPr>
-          <a:xfrm>
-            <a:off x="2658680" y="2795516"/>
-            <a:ext cx="220810" cy="5284"/>
+          <a:xfrm flipV="1">
+            <a:off x="2658680" y="2803874"/>
+            <a:ext cx="220810" cy="5036"/>
           </a:xfrm>
           <a:prstGeom prst="straightConnector1">
             <a:avLst/>
@@ -4171,7 +4172,7 @@
         </p:nvSpPr>
         <p:spPr>
           <a:xfrm>
-            <a:off x="2422632" y="2708826"/>
+            <a:off x="2422632" y="2722220"/>
             <a:ext cx="236048" cy="173380"/>
           </a:xfrm>
           <a:prstGeom prst="flowChartDecision">
@@ -5807,7 +5808,7 @@
         </p:nvSpPr>
         <p:spPr>
           <a:xfrm>
-            <a:off x="2687923" y="2564238"/>
+            <a:off x="2667000" y="2564517"/>
             <a:ext cx="189257" cy="178683"/>
           </a:xfrm>
           <a:prstGeom prst="rect">
@@ -5846,7 +5847,7 @@
         </p:nvSpPr>
         <p:spPr>
           <a:xfrm>
-            <a:off x="2656370" y="3386050"/>
+            <a:off x="2656370" y="3124200"/>
             <a:ext cx="189257" cy="178683"/>
           </a:xfrm>
           <a:prstGeom prst="rect">
@@ -5933,6 +5934,2736 @@
       </p:par>
     </p:tnLst>
   </p:timing>
+</p:sld>
+</file>
+
+<file path=ppt/slides/slide2.xml><?xml version="1.0" encoding="utf-8"?>
+<p:sld xmlns:a="http://schemas.openxmlformats.org/drawingml/2006/main" xmlns:r="http://schemas.openxmlformats.org/officeDocument/2006/relationships" xmlns:p="http://schemas.openxmlformats.org/presentationml/2006/main">
+  <p:cSld>
+    <p:spTree>
+      <p:nvGrpSpPr>
+        <p:cNvPr id="1" name=""/>
+        <p:cNvGrpSpPr/>
+        <p:nvPr/>
+      </p:nvGrpSpPr>
+      <p:grpSpPr>
+        <a:xfrm>
+          <a:off x="0" y="0"/>
+          <a:ext cx="0" cy="0"/>
+          <a:chOff x="0" y="0"/>
+          <a:chExt cx="0" cy="0"/>
+        </a:xfrm>
+      </p:grpSpPr>
+      <p:sp>
+        <p:nvSpPr>
+          <p:cNvPr id="2" name="Rectangle 65"/>
+          <p:cNvSpPr/>
+          <p:nvPr/>
+        </p:nvSpPr>
+        <p:spPr>
+          <a:xfrm>
+            <a:off x="1119865" y="1738947"/>
+            <a:ext cx="7490735" cy="2997200"/>
+          </a:xfrm>
+          <a:prstGeom prst="roundRect">
+            <a:avLst>
+              <a:gd name="adj" fmla="val 3484"/>
+            </a:avLst>
+          </a:prstGeom>
+          <a:solidFill>
+            <a:schemeClr val="accent4">
+              <a:lumMod val="20000"/>
+              <a:lumOff val="80000"/>
+            </a:schemeClr>
+          </a:solidFill>
+          <a:ln w="19050">
+            <a:noFill/>
+          </a:ln>
+          <a:effectLst/>
+        </p:spPr>
+        <p:style>
+          <a:lnRef idx="1">
+            <a:schemeClr val="accent2"/>
+          </a:lnRef>
+          <a:fillRef idx="2">
+            <a:schemeClr val="accent2"/>
+          </a:fillRef>
+          <a:effectRef idx="1">
+            <a:schemeClr val="accent2"/>
+          </a:effectRef>
+          <a:fontRef idx="minor">
+            <a:schemeClr val="dk1"/>
+          </a:fontRef>
+        </p:style>
+        <p:txBody>
+          <a:bodyPr rtlCol="0" anchor="t"/>
+          <a:lstStyle/>
+          <a:p>
+            <a:r>
+              <a:rPr lang="en-US" sz="1200" b="1" dirty="0" smtClean="0">
+                <a:solidFill>
+                  <a:srgbClr val="7030A0"/>
+                </a:solidFill>
+              </a:rPr>
+              <a:t>Model</a:t>
+            </a:r>
+            <a:endParaRPr lang="en-SG" sz="1200" b="1" dirty="0">
+              <a:solidFill>
+                <a:srgbClr val="7030A0"/>
+              </a:solidFill>
+            </a:endParaRPr>
+          </a:p>
+        </p:txBody>
+      </p:sp>
+      <p:sp>
+        <p:nvSpPr>
+          <p:cNvPr id="3" name="Rectangle 8"/>
+          <p:cNvSpPr/>
+          <p:nvPr/>
+        </p:nvSpPr>
+        <p:spPr>
+          <a:xfrm>
+            <a:off x="2877180" y="2912718"/>
+            <a:ext cx="1093635" cy="287682"/>
+          </a:xfrm>
+          <a:prstGeom prst="rect">
+            <a:avLst/>
+          </a:prstGeom>
+          <a:solidFill>
+            <a:srgbClr val="7030A0"/>
+          </a:solidFill>
+          <a:ln w="19050">
+            <a:solidFill>
+              <a:srgbClr val="7030A0"/>
+            </a:solidFill>
+          </a:ln>
+          <a:effectLst/>
+        </p:spPr>
+        <p:style>
+          <a:lnRef idx="1">
+            <a:schemeClr val="accent2"/>
+          </a:lnRef>
+          <a:fillRef idx="2">
+            <a:schemeClr val="accent2"/>
+          </a:fillRef>
+          <a:effectRef idx="1">
+            <a:schemeClr val="accent2"/>
+          </a:effectRef>
+          <a:fontRef idx="minor">
+            <a:schemeClr val="dk1"/>
+          </a:fontRef>
+        </p:style>
+        <p:txBody>
+          <a:bodyPr rtlCol="0" anchor="ctr"/>
+          <a:lstStyle/>
+          <a:p>
+            <a:pPr algn="ctr"/>
+            <a:r>
+              <a:rPr lang="en-US" sz="1050" dirty="0" err="1" smtClean="0">
+                <a:solidFill>
+                  <a:schemeClr val="bg1"/>
+                </a:solidFill>
+              </a:rPr>
+              <a:t>UserPref</a:t>
+            </a:r>
+            <a:endParaRPr lang="en-SG" sz="1050" dirty="0">
+              <a:solidFill>
+                <a:schemeClr val="bg1"/>
+              </a:solidFill>
+            </a:endParaRPr>
+          </a:p>
+        </p:txBody>
+      </p:sp>
+      <p:sp>
+        <p:nvSpPr>
+          <p:cNvPr id="4" name="Rectangle 62"/>
+          <p:cNvSpPr/>
+          <p:nvPr/>
+        </p:nvSpPr>
+        <p:spPr>
+          <a:xfrm rot="16200000">
+            <a:off x="1683963" y="2868687"/>
+            <a:ext cx="1093635" cy="346760"/>
+          </a:xfrm>
+          <a:prstGeom prst="rect">
+            <a:avLst/>
+          </a:prstGeom>
+          <a:solidFill>
+            <a:srgbClr val="7030A0"/>
+          </a:solidFill>
+          <a:ln w="19050">
+            <a:solidFill>
+              <a:srgbClr val="7030A0"/>
+            </a:solidFill>
+          </a:ln>
+          <a:effectLst/>
+        </p:spPr>
+        <p:style>
+          <a:lnRef idx="1">
+            <a:schemeClr val="accent2"/>
+          </a:lnRef>
+          <a:fillRef idx="2">
+            <a:schemeClr val="accent2"/>
+          </a:fillRef>
+          <a:effectRef idx="1">
+            <a:schemeClr val="accent2"/>
+          </a:effectRef>
+          <a:fontRef idx="minor">
+            <a:schemeClr val="dk1"/>
+          </a:fontRef>
+        </p:style>
+        <p:txBody>
+          <a:bodyPr rtlCol="0" anchor="ctr"/>
+          <a:lstStyle/>
+          <a:p>
+            <a:pPr algn="ctr"/>
+            <a:r>
+              <a:rPr lang="en-US" sz="1050" dirty="0" err="1" smtClean="0">
+                <a:solidFill>
+                  <a:schemeClr val="bg1"/>
+                </a:solidFill>
+              </a:rPr>
+              <a:t>ModelManager</a:t>
+            </a:r>
+            <a:endParaRPr lang="en-SG" sz="1050" dirty="0">
+              <a:solidFill>
+                <a:schemeClr val="bg1"/>
+              </a:solidFill>
+            </a:endParaRPr>
+          </a:p>
+        </p:txBody>
+      </p:sp>
+      <p:cxnSp>
+        <p:nvCxnSpPr>
+          <p:cNvPr id="5" name="Elbow Connector 63"/>
+          <p:cNvCxnSpPr/>
+          <p:nvPr/>
+        </p:nvCxnSpPr>
+        <p:spPr>
+          <a:xfrm flipV="1">
+            <a:off x="6477000" y="3194131"/>
+            <a:ext cx="95385" cy="416514"/>
+          </a:xfrm>
+          <a:prstGeom prst="bentConnector2">
+            <a:avLst/>
+          </a:prstGeom>
+          <a:ln w="19050">
+            <a:solidFill>
+              <a:srgbClr val="7030A0"/>
+            </a:solidFill>
+            <a:prstDash val="sysDot"/>
+            <a:headEnd type="none" w="med" len="med"/>
+            <a:tailEnd type="none" w="med" len="med"/>
+          </a:ln>
+          <a:effectLst/>
+        </p:spPr>
+        <p:style>
+          <a:lnRef idx="1">
+            <a:schemeClr val="accent2"/>
+          </a:lnRef>
+          <a:fillRef idx="2">
+            <a:schemeClr val="accent2"/>
+          </a:fillRef>
+          <a:effectRef idx="1">
+            <a:schemeClr val="accent2"/>
+          </a:effectRef>
+          <a:fontRef idx="minor">
+            <a:schemeClr val="dk1"/>
+          </a:fontRef>
+        </p:style>
+      </p:cxnSp>
+      <p:cxnSp>
+        <p:nvCxnSpPr>
+          <p:cNvPr id="6" name="Elbow Connector 5"/>
+          <p:cNvCxnSpPr>
+            <a:stCxn id="9" idx="1"/>
+          </p:cNvCxnSpPr>
+          <p:nvPr/>
+        </p:nvCxnSpPr>
+        <p:spPr>
+          <a:xfrm rot="5400000" flipH="1" flipV="1">
+            <a:off x="4360065" y="1080909"/>
+            <a:ext cx="378691" cy="4637261"/>
+          </a:xfrm>
+          <a:prstGeom prst="bentConnector4">
+            <a:avLst>
+              <a:gd name="adj1" fmla="val -101829"/>
+              <a:gd name="adj2" fmla="val 99976"/>
+            </a:avLst>
+          </a:prstGeom>
+          <a:ln w="19050">
+            <a:solidFill>
+              <a:srgbClr val="7030A0"/>
+            </a:solidFill>
+            <a:prstDash val="solid"/>
+            <a:headEnd type="none" w="med" len="med"/>
+            <a:tailEnd type="arrow" w="med" len="med"/>
+          </a:ln>
+          <a:effectLst/>
+        </p:spPr>
+        <p:style>
+          <a:lnRef idx="1">
+            <a:schemeClr val="accent2"/>
+          </a:lnRef>
+          <a:fillRef idx="2">
+            <a:schemeClr val="accent2"/>
+          </a:fillRef>
+          <a:effectRef idx="1">
+            <a:schemeClr val="accent2"/>
+          </a:effectRef>
+          <a:fontRef idx="minor">
+            <a:schemeClr val="dk1"/>
+          </a:fontRef>
+        </p:style>
+      </p:cxnSp>
+      <p:sp>
+        <p:nvSpPr>
+          <p:cNvPr id="7" name="Rectangle 62"/>
+          <p:cNvSpPr/>
+          <p:nvPr/>
+        </p:nvSpPr>
+        <p:spPr>
+          <a:xfrm rot="16200000">
+            <a:off x="956202" y="2861202"/>
+            <a:ext cx="1093635" cy="346760"/>
+          </a:xfrm>
+          <a:prstGeom prst="rect">
+            <a:avLst/>
+          </a:prstGeom>
+          <a:solidFill>
+            <a:srgbClr val="7030A0"/>
+          </a:solidFill>
+          <a:ln w="19050">
+            <a:solidFill>
+              <a:srgbClr val="7030A0"/>
+            </a:solidFill>
+          </a:ln>
+          <a:effectLst/>
+        </p:spPr>
+        <p:style>
+          <a:lnRef idx="1">
+            <a:schemeClr val="accent2"/>
+          </a:lnRef>
+          <a:fillRef idx="2">
+            <a:schemeClr val="accent2"/>
+          </a:fillRef>
+          <a:effectRef idx="1">
+            <a:schemeClr val="accent2"/>
+          </a:effectRef>
+          <a:fontRef idx="minor">
+            <a:schemeClr val="dk1"/>
+          </a:fontRef>
+        </p:style>
+        <p:txBody>
+          <a:bodyPr rtlCol="0" anchor="ctr"/>
+          <a:lstStyle/>
+          <a:p>
+            <a:pPr algn="ctr"/>
+            <a:r>
+              <a:rPr lang="en-US" sz="1050" dirty="0">
+                <a:solidFill>
+                  <a:schemeClr val="bg1"/>
+                </a:solidFill>
+              </a:rPr>
+              <a:t>&lt;&lt;interface&gt;&gt;</a:t>
+            </a:r>
+          </a:p>
+          <a:p>
+            <a:pPr algn="ctr"/>
+            <a:r>
+              <a:rPr lang="en-US" sz="1050" dirty="0" smtClean="0">
+                <a:solidFill>
+                  <a:schemeClr val="bg1"/>
+                </a:solidFill>
+              </a:rPr>
+              <a:t>Model</a:t>
+            </a:r>
+            <a:endParaRPr lang="en-SG" sz="1050" dirty="0">
+              <a:solidFill>
+                <a:schemeClr val="bg1"/>
+              </a:solidFill>
+            </a:endParaRPr>
+          </a:p>
+        </p:txBody>
+      </p:sp>
+      <p:sp>
+        <p:nvSpPr>
+          <p:cNvPr id="8" name="Isosceles Triangle 102"/>
+          <p:cNvSpPr/>
+          <p:nvPr/>
+        </p:nvSpPr>
+        <p:spPr>
+          <a:xfrm rot="16200000">
+            <a:off x="1626910" y="2952291"/>
+            <a:ext cx="270504" cy="175523"/>
+          </a:xfrm>
+          <a:prstGeom prst="triangle">
+            <a:avLst/>
+          </a:prstGeom>
+          <a:solidFill>
+            <a:srgbClr val="7030A0"/>
+          </a:solidFill>
+          <a:ln w="19050">
+            <a:solidFill>
+              <a:srgbClr val="7030A0"/>
+            </a:solidFill>
+          </a:ln>
+          <a:effectLst/>
+        </p:spPr>
+        <p:style>
+          <a:lnRef idx="1">
+            <a:schemeClr val="accent6"/>
+          </a:lnRef>
+          <a:fillRef idx="2">
+            <a:schemeClr val="accent6"/>
+          </a:fillRef>
+          <a:effectRef idx="1">
+            <a:schemeClr val="accent6"/>
+          </a:effectRef>
+          <a:fontRef idx="minor">
+            <a:schemeClr val="dk1"/>
+          </a:fontRef>
+        </p:style>
+        <p:txBody>
+          <a:bodyPr rtlCol="0" anchor="ctr"/>
+          <a:lstStyle/>
+          <a:p>
+            <a:pPr algn="ctr"/>
+            <a:endParaRPr lang="en-SG" sz="1050"/>
+          </a:p>
+        </p:txBody>
+      </p:sp>
+      <p:cxnSp>
+        <p:nvCxnSpPr>
+          <p:cNvPr id="9" name="Straight Arrow Connector 8"/>
+          <p:cNvCxnSpPr>
+            <a:stCxn id="42" idx="3"/>
+            <a:endCxn id="2" idx="1"/>
+          </p:cNvCxnSpPr>
+          <p:nvPr/>
+        </p:nvCxnSpPr>
+        <p:spPr>
+          <a:xfrm flipV="1">
+            <a:off x="2656370" y="3056559"/>
+            <a:ext cx="220810" cy="1931"/>
+          </a:xfrm>
+          <a:prstGeom prst="straightConnector1">
+            <a:avLst/>
+          </a:prstGeom>
+          <a:ln w="19050">
+            <a:solidFill>
+              <a:srgbClr val="7030A0"/>
+            </a:solidFill>
+            <a:headEnd type="none" w="med" len="med"/>
+            <a:tailEnd type="arrow" w="med" len="med"/>
+          </a:ln>
+          <a:effectLst/>
+        </p:spPr>
+        <p:style>
+          <a:lnRef idx="1">
+            <a:schemeClr val="accent2"/>
+          </a:lnRef>
+          <a:fillRef idx="2">
+            <a:schemeClr val="accent2"/>
+          </a:fillRef>
+          <a:effectRef idx="1">
+            <a:schemeClr val="accent2"/>
+          </a:effectRef>
+          <a:fontRef idx="minor">
+            <a:schemeClr val="dk1"/>
+          </a:fontRef>
+        </p:style>
+      </p:cxnSp>
+      <p:sp>
+        <p:nvSpPr>
+          <p:cNvPr id="10" name="Isosceles Triangle 102"/>
+          <p:cNvSpPr/>
+          <p:nvPr/>
+        </p:nvSpPr>
+        <p:spPr>
+          <a:xfrm rot="5400000" flipV="1">
+            <a:off x="6253986" y="3522883"/>
+            <a:ext cx="270504" cy="175523"/>
+          </a:xfrm>
+          <a:prstGeom prst="triangle">
+            <a:avLst/>
+          </a:prstGeom>
+          <a:solidFill>
+            <a:srgbClr val="7030A0"/>
+          </a:solidFill>
+          <a:ln w="19050">
+            <a:solidFill>
+              <a:srgbClr val="7030A0"/>
+            </a:solidFill>
+          </a:ln>
+          <a:effectLst/>
+        </p:spPr>
+        <p:style>
+          <a:lnRef idx="1">
+            <a:schemeClr val="accent4"/>
+          </a:lnRef>
+          <a:fillRef idx="2">
+            <a:schemeClr val="accent4"/>
+          </a:fillRef>
+          <a:effectRef idx="1">
+            <a:schemeClr val="accent4"/>
+          </a:effectRef>
+          <a:fontRef idx="minor">
+            <a:schemeClr val="dk1"/>
+          </a:fontRef>
+        </p:style>
+        <p:txBody>
+          <a:bodyPr rtlCol="0" anchor="ctr"/>
+          <a:lstStyle/>
+          <a:p>
+            <a:pPr algn="ctr"/>
+            <a:endParaRPr lang="en-SG" sz="1050" b="1">
+              <a:solidFill>
+                <a:srgbClr val="92D050"/>
+              </a:solidFill>
+            </a:endParaRPr>
+          </a:p>
+        </p:txBody>
+      </p:sp>
+      <p:cxnSp>
+        <p:nvCxnSpPr>
+          <p:cNvPr id="11" name="Elbow Connector 122"/>
+          <p:cNvCxnSpPr/>
+          <p:nvPr/>
+        </p:nvCxnSpPr>
+        <p:spPr>
+          <a:xfrm>
+            <a:off x="910091" y="3040053"/>
+            <a:ext cx="419548" cy="2860"/>
+          </a:xfrm>
+          <a:prstGeom prst="bentConnector3">
+            <a:avLst>
+              <a:gd name="adj1" fmla="val 50000"/>
+            </a:avLst>
+          </a:prstGeom>
+          <a:ln w="19050">
+            <a:solidFill>
+              <a:schemeClr val="bg1">
+                <a:lumMod val="75000"/>
+              </a:schemeClr>
+            </a:solidFill>
+            <a:prstDash val="sysDot"/>
+            <a:headEnd type="none" w="med" len="med"/>
+            <a:tailEnd type="arrow" w="med" len="med"/>
+          </a:ln>
+          <a:effectLst/>
+        </p:spPr>
+        <p:style>
+          <a:lnRef idx="1">
+            <a:schemeClr val="accent2"/>
+          </a:lnRef>
+          <a:fillRef idx="2">
+            <a:schemeClr val="accent2"/>
+          </a:fillRef>
+          <a:effectRef idx="1">
+            <a:schemeClr val="accent2"/>
+          </a:effectRef>
+          <a:fontRef idx="minor">
+            <a:schemeClr val="dk1"/>
+          </a:fontRef>
+        </p:style>
+      </p:cxnSp>
+      <p:cxnSp>
+        <p:nvCxnSpPr>
+          <p:cNvPr id="12" name="Straight Connector 11"/>
+          <p:cNvCxnSpPr/>
+          <p:nvPr/>
+        </p:nvCxnSpPr>
+        <p:spPr>
+          <a:xfrm flipV="1">
+            <a:off x="1849924" y="3040052"/>
+            <a:ext cx="216105" cy="1"/>
+          </a:xfrm>
+          <a:prstGeom prst="line">
+            <a:avLst/>
+          </a:prstGeom>
+          <a:ln w="19050">
+            <a:solidFill>
+              <a:srgbClr val="7030A0"/>
+            </a:solidFill>
+            <a:prstDash val="sysDot"/>
+            <a:headEnd type="none" w="med" len="med"/>
+            <a:tailEnd type="none" w="med" len="med"/>
+          </a:ln>
+          <a:effectLst/>
+        </p:spPr>
+        <p:style>
+          <a:lnRef idx="1">
+            <a:schemeClr val="accent2"/>
+          </a:lnRef>
+          <a:fillRef idx="2">
+            <a:schemeClr val="accent2"/>
+          </a:fillRef>
+          <a:effectRef idx="1">
+            <a:schemeClr val="accent2"/>
+          </a:effectRef>
+          <a:fontRef idx="minor">
+            <a:schemeClr val="dk1"/>
+          </a:fontRef>
+        </p:style>
+      </p:cxnSp>
+      <p:sp>
+        <p:nvSpPr>
+          <p:cNvPr id="13" name="Flowchart: Decision 96"/>
+          <p:cNvSpPr/>
+          <p:nvPr/>
+        </p:nvSpPr>
+        <p:spPr>
+          <a:xfrm>
+            <a:off x="2420322" y="2971800"/>
+            <a:ext cx="236048" cy="173380"/>
+          </a:xfrm>
+          <a:prstGeom prst="flowChartDecision">
+            <a:avLst/>
+          </a:prstGeom>
+          <a:noFill/>
+          <a:ln w="19050">
+            <a:solidFill>
+              <a:srgbClr val="7030A0"/>
+            </a:solidFill>
+          </a:ln>
+          <a:effectLst/>
+        </p:spPr>
+        <p:style>
+          <a:lnRef idx="1">
+            <a:schemeClr val="accent6"/>
+          </a:lnRef>
+          <a:fillRef idx="2">
+            <a:schemeClr val="accent6"/>
+          </a:fillRef>
+          <a:effectRef idx="1">
+            <a:schemeClr val="accent6"/>
+          </a:effectRef>
+          <a:fontRef idx="minor">
+            <a:schemeClr val="dk1"/>
+          </a:fontRef>
+        </p:style>
+        <p:txBody>
+          <a:bodyPr rtlCol="0" anchor="ctr"/>
+          <a:lstStyle/>
+          <a:p>
+            <a:pPr algn="ctr"/>
+            <a:endParaRPr lang="en-US" sz="1050"/>
+          </a:p>
+        </p:txBody>
+      </p:sp>
+      <p:sp>
+        <p:nvSpPr>
+          <p:cNvPr id="14" name="Rectangle 8"/>
+          <p:cNvSpPr/>
+          <p:nvPr/>
+        </p:nvSpPr>
+        <p:spPr>
+          <a:xfrm>
+            <a:off x="2879490" y="2514456"/>
+            <a:ext cx="1093635" cy="304944"/>
+          </a:xfrm>
+          <a:prstGeom prst="rect">
+            <a:avLst/>
+          </a:prstGeom>
+          <a:ln w="19050">
+            <a:solidFill>
+              <a:srgbClr val="7030A0"/>
+            </a:solidFill>
+          </a:ln>
+          <a:effectLst/>
+        </p:spPr>
+        <p:style>
+          <a:lnRef idx="1">
+            <a:schemeClr val="accent4"/>
+          </a:lnRef>
+          <a:fillRef idx="2">
+            <a:schemeClr val="accent4"/>
+          </a:fillRef>
+          <a:effectRef idx="1">
+            <a:schemeClr val="accent4"/>
+          </a:effectRef>
+          <a:fontRef idx="minor">
+            <a:schemeClr val="dk1"/>
+          </a:fontRef>
+        </p:style>
+        <p:txBody>
+          <a:bodyPr rtlCol="0" anchor="ctr"/>
+          <a:lstStyle/>
+          <a:p>
+            <a:pPr algn="ctr"/>
+            <a:r>
+              <a:rPr lang="en-US" sz="1050" dirty="0" err="1" smtClean="0">
+                <a:solidFill>
+                  <a:srgbClr val="7030A0"/>
+                </a:solidFill>
+              </a:rPr>
+              <a:t>AddressBook</a:t>
+            </a:r>
+            <a:endParaRPr lang="en-SG" sz="1050" dirty="0">
+              <a:solidFill>
+                <a:srgbClr val="7030A0"/>
+              </a:solidFill>
+            </a:endParaRPr>
+          </a:p>
+        </p:txBody>
+      </p:sp>
+      <p:cxnSp>
+        <p:nvCxnSpPr>
+          <p:cNvPr id="15" name="Straight Arrow Connector 14"/>
+          <p:cNvCxnSpPr>
+            <a:stCxn id="48" idx="3"/>
+            <a:endCxn id="46" idx="1"/>
+          </p:cNvCxnSpPr>
+          <p:nvPr/>
+        </p:nvCxnSpPr>
+        <p:spPr>
+          <a:xfrm flipV="1">
+            <a:off x="2658680" y="2666928"/>
+            <a:ext cx="220810" cy="10562"/>
+          </a:xfrm>
+          <a:prstGeom prst="straightConnector1">
+            <a:avLst/>
+          </a:prstGeom>
+          <a:ln w="19050">
+            <a:solidFill>
+              <a:srgbClr val="7030A0"/>
+            </a:solidFill>
+            <a:headEnd type="none" w="med" len="med"/>
+            <a:tailEnd type="arrow" w="med" len="med"/>
+          </a:ln>
+          <a:effectLst/>
+        </p:spPr>
+        <p:style>
+          <a:lnRef idx="1">
+            <a:schemeClr val="accent2"/>
+          </a:lnRef>
+          <a:fillRef idx="2">
+            <a:schemeClr val="accent2"/>
+          </a:fillRef>
+          <a:effectRef idx="1">
+            <a:schemeClr val="accent2"/>
+          </a:effectRef>
+          <a:fontRef idx="minor">
+            <a:schemeClr val="dk1"/>
+          </a:fontRef>
+        </p:style>
+      </p:cxnSp>
+      <p:sp>
+        <p:nvSpPr>
+          <p:cNvPr id="16" name="Flowchart: Decision 96"/>
+          <p:cNvSpPr/>
+          <p:nvPr/>
+        </p:nvSpPr>
+        <p:spPr>
+          <a:xfrm>
+            <a:off x="2422632" y="2590800"/>
+            <a:ext cx="236048" cy="173380"/>
+          </a:xfrm>
+          <a:prstGeom prst="flowChartDecision">
+            <a:avLst/>
+          </a:prstGeom>
+          <a:noFill/>
+          <a:ln w="19050">
+            <a:solidFill>
+              <a:srgbClr val="7030A0"/>
+            </a:solidFill>
+          </a:ln>
+          <a:effectLst/>
+        </p:spPr>
+        <p:style>
+          <a:lnRef idx="1">
+            <a:schemeClr val="accent6"/>
+          </a:lnRef>
+          <a:fillRef idx="2">
+            <a:schemeClr val="accent6"/>
+          </a:fillRef>
+          <a:effectRef idx="1">
+            <a:schemeClr val="accent6"/>
+          </a:effectRef>
+          <a:fontRef idx="minor">
+            <a:schemeClr val="dk1"/>
+          </a:fontRef>
+        </p:style>
+        <p:txBody>
+          <a:bodyPr rtlCol="0" anchor="ctr"/>
+          <a:lstStyle/>
+          <a:p>
+            <a:pPr algn="ctr"/>
+            <a:endParaRPr lang="en-US" sz="1050"/>
+          </a:p>
+        </p:txBody>
+      </p:sp>
+      <p:sp>
+        <p:nvSpPr>
+          <p:cNvPr id="17" name="Rectangle 8"/>
+          <p:cNvSpPr/>
+          <p:nvPr/>
+        </p:nvSpPr>
+        <p:spPr>
+          <a:xfrm>
+            <a:off x="4487017" y="2847371"/>
+            <a:ext cx="1156969" cy="346760"/>
+          </a:xfrm>
+          <a:prstGeom prst="rect">
+            <a:avLst/>
+          </a:prstGeom>
+          <a:ln w="19050">
+            <a:solidFill>
+              <a:srgbClr val="7030A0"/>
+            </a:solidFill>
+          </a:ln>
+          <a:effectLst/>
+        </p:spPr>
+        <p:style>
+          <a:lnRef idx="1">
+            <a:schemeClr val="accent4"/>
+          </a:lnRef>
+          <a:fillRef idx="2">
+            <a:schemeClr val="accent4"/>
+          </a:fillRef>
+          <a:effectRef idx="1">
+            <a:schemeClr val="accent4"/>
+          </a:effectRef>
+          <a:fontRef idx="minor">
+            <a:schemeClr val="dk1"/>
+          </a:fontRef>
+        </p:style>
+        <p:txBody>
+          <a:bodyPr rtlCol="0" anchor="ctr"/>
+          <a:lstStyle/>
+          <a:p>
+            <a:pPr algn="ctr"/>
+            <a:r>
+              <a:rPr lang="en-US" sz="1050" dirty="0" err="1" smtClean="0">
+                <a:solidFill>
+                  <a:srgbClr val="7030A0"/>
+                </a:solidFill>
+              </a:rPr>
+              <a:t>UniquePersonList</a:t>
+            </a:r>
+            <a:endParaRPr lang="en-SG" sz="1050" dirty="0">
+              <a:solidFill>
+                <a:srgbClr val="7030A0"/>
+              </a:solidFill>
+            </a:endParaRPr>
+          </a:p>
+        </p:txBody>
+      </p:sp>
+      <p:sp>
+        <p:nvSpPr>
+          <p:cNvPr id="18" name="Flowchart: Decision 96"/>
+          <p:cNvSpPr/>
+          <p:nvPr/>
+        </p:nvSpPr>
+        <p:spPr>
+          <a:xfrm>
+            <a:off x="3984303" y="2673991"/>
+            <a:ext cx="236048" cy="173380"/>
+          </a:xfrm>
+          <a:prstGeom prst="flowChartDecision">
+            <a:avLst/>
+          </a:prstGeom>
+          <a:solidFill>
+            <a:srgbClr val="7030A0"/>
+          </a:solidFill>
+          <a:ln w="19050">
+            <a:solidFill>
+              <a:srgbClr val="7030A0"/>
+            </a:solidFill>
+          </a:ln>
+          <a:effectLst/>
+        </p:spPr>
+        <p:style>
+          <a:lnRef idx="1">
+            <a:schemeClr val="accent6"/>
+          </a:lnRef>
+          <a:fillRef idx="2">
+            <a:schemeClr val="accent6"/>
+          </a:fillRef>
+          <a:effectRef idx="1">
+            <a:schemeClr val="accent6"/>
+          </a:effectRef>
+          <a:fontRef idx="minor">
+            <a:schemeClr val="dk1"/>
+          </a:fontRef>
+        </p:style>
+        <p:txBody>
+          <a:bodyPr rtlCol="0" anchor="ctr"/>
+          <a:lstStyle/>
+          <a:p>
+            <a:pPr algn="ctr"/>
+            <a:endParaRPr lang="en-US" sz="1050"/>
+          </a:p>
+        </p:txBody>
+      </p:sp>
+      <p:cxnSp>
+        <p:nvCxnSpPr>
+          <p:cNvPr id="19" name="Elbow Connector 18"/>
+          <p:cNvCxnSpPr>
+            <a:stCxn id="51" idx="3"/>
+            <a:endCxn id="49" idx="1"/>
+          </p:cNvCxnSpPr>
+          <p:nvPr/>
+        </p:nvCxnSpPr>
+        <p:spPr>
+          <a:xfrm>
+            <a:off x="4220351" y="2760681"/>
+            <a:ext cx="266666" cy="260070"/>
+          </a:xfrm>
+          <a:prstGeom prst="bentConnector3">
+            <a:avLst/>
+          </a:prstGeom>
+          <a:ln w="19050">
+            <a:solidFill>
+              <a:srgbClr val="7030A0"/>
+            </a:solidFill>
+            <a:headEnd type="none" w="med" len="med"/>
+            <a:tailEnd type="arrow" w="med" len="med"/>
+          </a:ln>
+          <a:effectLst/>
+        </p:spPr>
+        <p:style>
+          <a:lnRef idx="1">
+            <a:schemeClr val="accent2"/>
+          </a:lnRef>
+          <a:fillRef idx="2">
+            <a:schemeClr val="accent2"/>
+          </a:fillRef>
+          <a:effectRef idx="1">
+            <a:schemeClr val="accent2"/>
+          </a:effectRef>
+          <a:fontRef idx="minor">
+            <a:schemeClr val="dk1"/>
+          </a:fontRef>
+        </p:style>
+      </p:cxnSp>
+      <p:sp>
+        <p:nvSpPr>
+          <p:cNvPr id="20" name="Rectangle 8"/>
+          <p:cNvSpPr/>
+          <p:nvPr/>
+        </p:nvSpPr>
+        <p:spPr>
+          <a:xfrm>
+            <a:off x="4477328" y="2280569"/>
+            <a:ext cx="1156969" cy="346760"/>
+          </a:xfrm>
+          <a:prstGeom prst="rect">
+            <a:avLst/>
+          </a:prstGeom>
+          <a:ln w="19050">
+            <a:solidFill>
+              <a:srgbClr val="7030A0"/>
+            </a:solidFill>
+          </a:ln>
+          <a:effectLst/>
+        </p:spPr>
+        <p:style>
+          <a:lnRef idx="1">
+            <a:schemeClr val="accent4"/>
+          </a:lnRef>
+          <a:fillRef idx="2">
+            <a:schemeClr val="accent4"/>
+          </a:fillRef>
+          <a:effectRef idx="1">
+            <a:schemeClr val="accent4"/>
+          </a:effectRef>
+          <a:fontRef idx="minor">
+            <a:schemeClr val="dk1"/>
+          </a:fontRef>
+        </p:style>
+        <p:txBody>
+          <a:bodyPr rtlCol="0" anchor="ctr"/>
+          <a:lstStyle/>
+          <a:p>
+            <a:pPr algn="ctr"/>
+            <a:r>
+              <a:rPr lang="en-US" sz="1050" dirty="0" err="1" smtClean="0">
+                <a:solidFill>
+                  <a:srgbClr val="7030A0"/>
+                </a:solidFill>
+              </a:rPr>
+              <a:t>UniqueTagList</a:t>
+            </a:r>
+            <a:endParaRPr lang="en-SG" sz="1050" dirty="0">
+              <a:solidFill>
+                <a:srgbClr val="7030A0"/>
+              </a:solidFill>
+            </a:endParaRPr>
+          </a:p>
+        </p:txBody>
+      </p:sp>
+      <p:cxnSp>
+        <p:nvCxnSpPr>
+          <p:cNvPr id="21" name="Elbow Connector 20"/>
+          <p:cNvCxnSpPr>
+            <a:stCxn id="51" idx="3"/>
+          </p:cNvCxnSpPr>
+          <p:nvPr/>
+        </p:nvCxnSpPr>
+        <p:spPr>
+          <a:xfrm flipV="1">
+            <a:off x="4220351" y="2453949"/>
+            <a:ext cx="256977" cy="306732"/>
+          </a:xfrm>
+          <a:prstGeom prst="bentConnector3">
+            <a:avLst>
+              <a:gd name="adj1" fmla="val 50000"/>
+            </a:avLst>
+          </a:prstGeom>
+          <a:ln w="19050">
+            <a:solidFill>
+              <a:srgbClr val="7030A0"/>
+            </a:solidFill>
+            <a:headEnd type="none" w="med" len="med"/>
+            <a:tailEnd type="arrow" w="med" len="med"/>
+          </a:ln>
+          <a:effectLst/>
+        </p:spPr>
+        <p:style>
+          <a:lnRef idx="1">
+            <a:schemeClr val="accent2"/>
+          </a:lnRef>
+          <a:fillRef idx="2">
+            <a:schemeClr val="accent2"/>
+          </a:fillRef>
+          <a:effectRef idx="1">
+            <a:schemeClr val="accent2"/>
+          </a:effectRef>
+          <a:fontRef idx="minor">
+            <a:schemeClr val="dk1"/>
+          </a:fontRef>
+        </p:style>
+      </p:cxnSp>
+      <p:sp>
+        <p:nvSpPr>
+          <p:cNvPr id="22" name="Rectangle 8"/>
+          <p:cNvSpPr/>
+          <p:nvPr/>
+        </p:nvSpPr>
+        <p:spPr>
+          <a:xfrm>
+            <a:off x="6313677" y="2858066"/>
+            <a:ext cx="708186" cy="346760"/>
+          </a:xfrm>
+          <a:prstGeom prst="rect">
+            <a:avLst/>
+          </a:prstGeom>
+          <a:ln w="19050">
+            <a:solidFill>
+              <a:srgbClr val="7030A0"/>
+            </a:solidFill>
+          </a:ln>
+          <a:effectLst/>
+        </p:spPr>
+        <p:style>
+          <a:lnRef idx="1">
+            <a:schemeClr val="accent4"/>
+          </a:lnRef>
+          <a:fillRef idx="2">
+            <a:schemeClr val="accent4"/>
+          </a:fillRef>
+          <a:effectRef idx="1">
+            <a:schemeClr val="accent4"/>
+          </a:effectRef>
+          <a:fontRef idx="minor">
+            <a:schemeClr val="dk1"/>
+          </a:fontRef>
+        </p:style>
+        <p:txBody>
+          <a:bodyPr rtlCol="0" anchor="ctr"/>
+          <a:lstStyle/>
+          <a:p>
+            <a:pPr algn="ctr"/>
+            <a:r>
+              <a:rPr lang="en-US" sz="1050" dirty="0" smtClean="0">
+                <a:solidFill>
+                  <a:srgbClr val="7030A0"/>
+                </a:solidFill>
+              </a:rPr>
+              <a:t>Person</a:t>
+            </a:r>
+            <a:endParaRPr lang="en-SG" sz="1050" dirty="0">
+              <a:solidFill>
+                <a:srgbClr val="7030A0"/>
+              </a:solidFill>
+            </a:endParaRPr>
+          </a:p>
+        </p:txBody>
+      </p:sp>
+      <p:sp>
+        <p:nvSpPr>
+          <p:cNvPr id="23" name="Flowchart: Decision 96"/>
+          <p:cNvSpPr/>
+          <p:nvPr/>
+        </p:nvSpPr>
+        <p:spPr>
+          <a:xfrm>
+            <a:off x="5643227" y="2943979"/>
+            <a:ext cx="236048" cy="173380"/>
+          </a:xfrm>
+          <a:prstGeom prst="flowChartDecision">
+            <a:avLst/>
+          </a:prstGeom>
+          <a:noFill/>
+          <a:ln w="19050">
+            <a:solidFill>
+              <a:srgbClr val="7030A0"/>
+            </a:solidFill>
+          </a:ln>
+          <a:effectLst/>
+        </p:spPr>
+        <p:style>
+          <a:lnRef idx="1">
+            <a:schemeClr val="accent6"/>
+          </a:lnRef>
+          <a:fillRef idx="2">
+            <a:schemeClr val="accent6"/>
+          </a:fillRef>
+          <a:effectRef idx="1">
+            <a:schemeClr val="accent6"/>
+          </a:effectRef>
+          <a:fontRef idx="minor">
+            <a:schemeClr val="dk1"/>
+          </a:fontRef>
+        </p:style>
+        <p:txBody>
+          <a:bodyPr rtlCol="0" anchor="ctr"/>
+          <a:lstStyle/>
+          <a:p>
+            <a:pPr algn="ctr"/>
+            <a:endParaRPr lang="en-US" sz="1050"/>
+          </a:p>
+        </p:txBody>
+      </p:sp>
+      <p:cxnSp>
+        <p:nvCxnSpPr>
+          <p:cNvPr id="24" name="Elbow Connector 23"/>
+          <p:cNvCxnSpPr/>
+          <p:nvPr/>
+        </p:nvCxnSpPr>
+        <p:spPr>
+          <a:xfrm>
+            <a:off x="5879275" y="3030669"/>
+            <a:ext cx="434402" cy="777"/>
+          </a:xfrm>
+          <a:prstGeom prst="bentConnector3">
+            <a:avLst/>
+          </a:prstGeom>
+          <a:ln w="19050">
+            <a:solidFill>
+              <a:srgbClr val="7030A0"/>
+            </a:solidFill>
+            <a:headEnd type="none" w="med" len="med"/>
+            <a:tailEnd type="arrow" w="med" len="med"/>
+          </a:ln>
+          <a:effectLst/>
+        </p:spPr>
+        <p:style>
+          <a:lnRef idx="1">
+            <a:schemeClr val="accent2"/>
+          </a:lnRef>
+          <a:fillRef idx="2">
+            <a:schemeClr val="accent2"/>
+          </a:fillRef>
+          <a:effectRef idx="1">
+            <a:schemeClr val="accent2"/>
+          </a:effectRef>
+          <a:fontRef idx="minor">
+            <a:schemeClr val="dk1"/>
+          </a:fontRef>
+        </p:style>
+      </p:cxnSp>
+      <p:sp>
+        <p:nvSpPr>
+          <p:cNvPr id="25" name="Rectangle 8"/>
+          <p:cNvSpPr/>
+          <p:nvPr/>
+        </p:nvSpPr>
+        <p:spPr>
+          <a:xfrm>
+            <a:off x="5336105" y="1809332"/>
+            <a:ext cx="483700" cy="346760"/>
+          </a:xfrm>
+          <a:prstGeom prst="rect">
+            <a:avLst/>
+          </a:prstGeom>
+          <a:ln w="19050">
+            <a:solidFill>
+              <a:srgbClr val="7030A0"/>
+            </a:solidFill>
+          </a:ln>
+          <a:effectLst/>
+        </p:spPr>
+        <p:style>
+          <a:lnRef idx="1">
+            <a:schemeClr val="accent4"/>
+          </a:lnRef>
+          <a:fillRef idx="2">
+            <a:schemeClr val="accent4"/>
+          </a:fillRef>
+          <a:effectRef idx="1">
+            <a:schemeClr val="accent4"/>
+          </a:effectRef>
+          <a:fontRef idx="minor">
+            <a:schemeClr val="dk1"/>
+          </a:fontRef>
+        </p:style>
+        <p:txBody>
+          <a:bodyPr rtlCol="0" anchor="ctr"/>
+          <a:lstStyle/>
+          <a:p>
+            <a:pPr algn="ctr"/>
+            <a:r>
+              <a:rPr lang="en-US" sz="1050" dirty="0" smtClean="0">
+                <a:solidFill>
+                  <a:srgbClr val="7030A0"/>
+                </a:solidFill>
+              </a:rPr>
+              <a:t>Tag</a:t>
+            </a:r>
+            <a:endParaRPr lang="en-SG" sz="1050" dirty="0">
+              <a:solidFill>
+                <a:srgbClr val="7030A0"/>
+              </a:solidFill>
+            </a:endParaRPr>
+          </a:p>
+        </p:txBody>
+      </p:sp>
+      <p:sp>
+        <p:nvSpPr>
+          <p:cNvPr id="26" name="Flowchart: Decision 96"/>
+          <p:cNvSpPr/>
+          <p:nvPr/>
+        </p:nvSpPr>
+        <p:spPr>
+          <a:xfrm rot="16200000">
+            <a:off x="4921666" y="2066540"/>
+            <a:ext cx="236048" cy="173380"/>
+          </a:xfrm>
+          <a:prstGeom prst="flowChartDecision">
+            <a:avLst/>
+          </a:prstGeom>
+          <a:noFill/>
+          <a:ln w="19050">
+            <a:solidFill>
+              <a:srgbClr val="7030A0"/>
+            </a:solidFill>
+          </a:ln>
+          <a:effectLst/>
+        </p:spPr>
+        <p:style>
+          <a:lnRef idx="1">
+            <a:schemeClr val="accent6"/>
+          </a:lnRef>
+          <a:fillRef idx="2">
+            <a:schemeClr val="accent6"/>
+          </a:fillRef>
+          <a:effectRef idx="1">
+            <a:schemeClr val="accent6"/>
+          </a:effectRef>
+          <a:fontRef idx="minor">
+            <a:schemeClr val="dk1"/>
+          </a:fontRef>
+        </p:style>
+        <p:txBody>
+          <a:bodyPr rtlCol="0" anchor="ctr"/>
+          <a:lstStyle/>
+          <a:p>
+            <a:pPr algn="ctr"/>
+            <a:endParaRPr lang="en-US" sz="1050"/>
+          </a:p>
+        </p:txBody>
+      </p:sp>
+      <p:cxnSp>
+        <p:nvCxnSpPr>
+          <p:cNvPr id="27" name="Elbow Connector 26"/>
+          <p:cNvCxnSpPr/>
+          <p:nvPr/>
+        </p:nvCxnSpPr>
+        <p:spPr>
+          <a:xfrm rot="5400000" flipH="1" flipV="1">
+            <a:off x="5161650" y="1860752"/>
+            <a:ext cx="52494" cy="296415"/>
+          </a:xfrm>
+          <a:prstGeom prst="bentConnector2">
+            <a:avLst/>
+          </a:prstGeom>
+          <a:ln w="19050">
+            <a:solidFill>
+              <a:srgbClr val="7030A0"/>
+            </a:solidFill>
+            <a:headEnd type="none" w="med" len="med"/>
+            <a:tailEnd type="arrow" w="med" len="med"/>
+          </a:ln>
+          <a:effectLst/>
+        </p:spPr>
+        <p:style>
+          <a:lnRef idx="1">
+            <a:schemeClr val="accent2"/>
+          </a:lnRef>
+          <a:fillRef idx="2">
+            <a:schemeClr val="accent2"/>
+          </a:fillRef>
+          <a:effectRef idx="1">
+            <a:schemeClr val="accent2"/>
+          </a:effectRef>
+          <a:fontRef idx="minor">
+            <a:schemeClr val="dk1"/>
+          </a:fontRef>
+        </p:style>
+      </p:cxnSp>
+      <p:sp>
+        <p:nvSpPr>
+          <p:cNvPr id="28" name="Rectangle 8"/>
+          <p:cNvSpPr/>
+          <p:nvPr/>
+        </p:nvSpPr>
+        <p:spPr>
+          <a:xfrm>
+            <a:off x="5128257" y="3429000"/>
+            <a:ext cx="1156969" cy="346760"/>
+          </a:xfrm>
+          <a:prstGeom prst="rect">
+            <a:avLst/>
+          </a:prstGeom>
+          <a:ln w="19050">
+            <a:solidFill>
+              <a:srgbClr val="7030A0"/>
+            </a:solidFill>
+          </a:ln>
+          <a:effectLst/>
+        </p:spPr>
+        <p:style>
+          <a:lnRef idx="1">
+            <a:schemeClr val="accent4"/>
+          </a:lnRef>
+          <a:fillRef idx="2">
+            <a:schemeClr val="accent4"/>
+          </a:fillRef>
+          <a:effectRef idx="1">
+            <a:schemeClr val="accent4"/>
+          </a:effectRef>
+          <a:fontRef idx="minor">
+            <a:schemeClr val="dk1"/>
+          </a:fontRef>
+        </p:style>
+        <p:txBody>
+          <a:bodyPr rtlCol="0" anchor="ctr"/>
+          <a:lstStyle/>
+          <a:p>
+            <a:pPr algn="ctr"/>
+            <a:r>
+              <a:rPr lang="en-US" sz="1050" dirty="0" smtClean="0">
+                <a:solidFill>
+                  <a:srgbClr val="7030A0"/>
+                </a:solidFill>
+              </a:rPr>
+              <a:t>&lt;&lt;interface&gt;&gt;</a:t>
+            </a:r>
+            <a:br>
+              <a:rPr lang="en-US" sz="1050" dirty="0" smtClean="0">
+                <a:solidFill>
+                  <a:srgbClr val="7030A0"/>
+                </a:solidFill>
+              </a:rPr>
+            </a:br>
+            <a:r>
+              <a:rPr lang="en-US" sz="1050" dirty="0" err="1" smtClean="0">
+                <a:solidFill>
+                  <a:srgbClr val="7030A0"/>
+                </a:solidFill>
+              </a:rPr>
+              <a:t>ReadOnlyPerson</a:t>
+            </a:r>
+            <a:endParaRPr lang="en-SG" sz="1050" dirty="0">
+              <a:solidFill>
+                <a:srgbClr val="7030A0"/>
+              </a:solidFill>
+            </a:endParaRPr>
+          </a:p>
+        </p:txBody>
+      </p:sp>
+      <p:sp>
+        <p:nvSpPr>
+          <p:cNvPr id="29" name="Rectangle 8"/>
+          <p:cNvSpPr/>
+          <p:nvPr/>
+        </p:nvSpPr>
+        <p:spPr>
+          <a:xfrm>
+            <a:off x="7712397" y="2564238"/>
+            <a:ext cx="708186" cy="285783"/>
+          </a:xfrm>
+          <a:prstGeom prst="rect">
+            <a:avLst/>
+          </a:prstGeom>
+          <a:ln w="19050">
+            <a:solidFill>
+              <a:srgbClr val="7030A0"/>
+            </a:solidFill>
+          </a:ln>
+          <a:effectLst/>
+        </p:spPr>
+        <p:style>
+          <a:lnRef idx="1">
+            <a:schemeClr val="accent4"/>
+          </a:lnRef>
+          <a:fillRef idx="2">
+            <a:schemeClr val="accent4"/>
+          </a:fillRef>
+          <a:effectRef idx="1">
+            <a:schemeClr val="accent4"/>
+          </a:effectRef>
+          <a:fontRef idx="minor">
+            <a:schemeClr val="dk1"/>
+          </a:fontRef>
+        </p:style>
+        <p:txBody>
+          <a:bodyPr rtlCol="0" anchor="ctr"/>
+          <a:lstStyle/>
+          <a:p>
+            <a:pPr algn="ctr"/>
+            <a:r>
+              <a:rPr lang="en-US" sz="1050" dirty="0" smtClean="0">
+                <a:solidFill>
+                  <a:srgbClr val="7030A0"/>
+                </a:solidFill>
+              </a:rPr>
+              <a:t>Name</a:t>
+            </a:r>
+            <a:endParaRPr lang="en-SG" sz="1050" dirty="0">
+              <a:solidFill>
+                <a:srgbClr val="7030A0"/>
+              </a:solidFill>
+            </a:endParaRPr>
+          </a:p>
+        </p:txBody>
+      </p:sp>
+      <p:sp>
+        <p:nvSpPr>
+          <p:cNvPr id="30" name="Flowchart: Decision 96"/>
+          <p:cNvSpPr/>
+          <p:nvPr/>
+        </p:nvSpPr>
+        <p:spPr>
+          <a:xfrm>
+            <a:off x="7041947" y="2948201"/>
+            <a:ext cx="236048" cy="173380"/>
+          </a:xfrm>
+          <a:prstGeom prst="flowChartDecision">
+            <a:avLst/>
+          </a:prstGeom>
+          <a:solidFill>
+            <a:srgbClr val="7030A0"/>
+          </a:solidFill>
+          <a:ln w="19050">
+            <a:solidFill>
+              <a:srgbClr val="7030A0"/>
+            </a:solidFill>
+          </a:ln>
+          <a:effectLst/>
+        </p:spPr>
+        <p:style>
+          <a:lnRef idx="1">
+            <a:schemeClr val="accent6"/>
+          </a:lnRef>
+          <a:fillRef idx="2">
+            <a:schemeClr val="accent6"/>
+          </a:fillRef>
+          <a:effectRef idx="1">
+            <a:schemeClr val="accent6"/>
+          </a:effectRef>
+          <a:fontRef idx="minor">
+            <a:schemeClr val="dk1"/>
+          </a:fontRef>
+        </p:style>
+        <p:txBody>
+          <a:bodyPr rtlCol="0" anchor="ctr"/>
+          <a:lstStyle/>
+          <a:p>
+            <a:pPr algn="ctr"/>
+            <a:endParaRPr lang="en-US" sz="1050"/>
+          </a:p>
+        </p:txBody>
+      </p:sp>
+      <p:cxnSp>
+        <p:nvCxnSpPr>
+          <p:cNvPr id="31" name="Elbow Connector 30"/>
+          <p:cNvCxnSpPr/>
+          <p:nvPr/>
+        </p:nvCxnSpPr>
+        <p:spPr>
+          <a:xfrm flipV="1">
+            <a:off x="7277995" y="2707130"/>
+            <a:ext cx="434402" cy="327761"/>
+          </a:xfrm>
+          <a:prstGeom prst="bentConnector3">
+            <a:avLst/>
+          </a:prstGeom>
+          <a:ln w="19050">
+            <a:solidFill>
+              <a:srgbClr val="7030A0"/>
+            </a:solidFill>
+            <a:headEnd type="none" w="med" len="med"/>
+            <a:tailEnd type="arrow" w="med" len="med"/>
+          </a:ln>
+          <a:effectLst/>
+        </p:spPr>
+        <p:style>
+          <a:lnRef idx="1">
+            <a:schemeClr val="accent2"/>
+          </a:lnRef>
+          <a:fillRef idx="2">
+            <a:schemeClr val="accent2"/>
+          </a:fillRef>
+          <a:effectRef idx="1">
+            <a:schemeClr val="accent2"/>
+          </a:effectRef>
+          <a:fontRef idx="minor">
+            <a:schemeClr val="dk1"/>
+          </a:fontRef>
+        </p:style>
+      </p:cxnSp>
+      <p:sp>
+        <p:nvSpPr>
+          <p:cNvPr id="32" name="Rectangle 8"/>
+          <p:cNvSpPr/>
+          <p:nvPr/>
+        </p:nvSpPr>
+        <p:spPr>
+          <a:xfrm>
+            <a:off x="7712397" y="2887216"/>
+            <a:ext cx="708186" cy="285783"/>
+          </a:xfrm>
+          <a:prstGeom prst="rect">
+            <a:avLst/>
+          </a:prstGeom>
+          <a:ln w="19050">
+            <a:solidFill>
+              <a:srgbClr val="7030A0"/>
+            </a:solidFill>
+          </a:ln>
+          <a:effectLst/>
+        </p:spPr>
+        <p:style>
+          <a:lnRef idx="1">
+            <a:schemeClr val="accent4"/>
+          </a:lnRef>
+          <a:fillRef idx="2">
+            <a:schemeClr val="accent4"/>
+          </a:fillRef>
+          <a:effectRef idx="1">
+            <a:schemeClr val="accent4"/>
+          </a:effectRef>
+          <a:fontRef idx="minor">
+            <a:schemeClr val="dk1"/>
+          </a:fontRef>
+        </p:style>
+        <p:txBody>
+          <a:bodyPr rtlCol="0" anchor="ctr"/>
+          <a:lstStyle/>
+          <a:p>
+            <a:pPr algn="ctr"/>
+            <a:r>
+              <a:rPr lang="en-US" sz="1050" dirty="0" smtClean="0">
+                <a:solidFill>
+                  <a:srgbClr val="7030A0"/>
+                </a:solidFill>
+              </a:rPr>
+              <a:t>Phone</a:t>
+            </a:r>
+            <a:endParaRPr lang="en-SG" sz="1050" dirty="0">
+              <a:solidFill>
+                <a:srgbClr val="7030A0"/>
+              </a:solidFill>
+            </a:endParaRPr>
+          </a:p>
+        </p:txBody>
+      </p:sp>
+      <p:cxnSp>
+        <p:nvCxnSpPr>
+          <p:cNvPr id="33" name="Elbow Connector 32"/>
+          <p:cNvCxnSpPr/>
+          <p:nvPr/>
+        </p:nvCxnSpPr>
+        <p:spPr>
+          <a:xfrm flipV="1">
+            <a:off x="7277995" y="3030108"/>
+            <a:ext cx="434402" cy="4783"/>
+          </a:xfrm>
+          <a:prstGeom prst="bentConnector3">
+            <a:avLst/>
+          </a:prstGeom>
+          <a:ln w="19050">
+            <a:solidFill>
+              <a:srgbClr val="7030A0"/>
+            </a:solidFill>
+            <a:headEnd type="none" w="med" len="med"/>
+            <a:tailEnd type="arrow" w="med" len="med"/>
+          </a:ln>
+          <a:effectLst/>
+        </p:spPr>
+        <p:style>
+          <a:lnRef idx="1">
+            <a:schemeClr val="accent2"/>
+          </a:lnRef>
+          <a:fillRef idx="2">
+            <a:schemeClr val="accent2"/>
+          </a:fillRef>
+          <a:effectRef idx="1">
+            <a:schemeClr val="accent2"/>
+          </a:effectRef>
+          <a:fontRef idx="minor">
+            <a:schemeClr val="dk1"/>
+          </a:fontRef>
+        </p:style>
+      </p:cxnSp>
+      <p:sp>
+        <p:nvSpPr>
+          <p:cNvPr id="34" name="Rectangle 8"/>
+          <p:cNvSpPr/>
+          <p:nvPr/>
+        </p:nvSpPr>
+        <p:spPr>
+          <a:xfrm>
+            <a:off x="7712397" y="3210194"/>
+            <a:ext cx="708186" cy="285783"/>
+          </a:xfrm>
+          <a:prstGeom prst="rect">
+            <a:avLst/>
+          </a:prstGeom>
+          <a:ln w="19050">
+            <a:solidFill>
+              <a:srgbClr val="7030A0"/>
+            </a:solidFill>
+          </a:ln>
+          <a:effectLst/>
+        </p:spPr>
+        <p:style>
+          <a:lnRef idx="1">
+            <a:schemeClr val="accent4"/>
+          </a:lnRef>
+          <a:fillRef idx="2">
+            <a:schemeClr val="accent4"/>
+          </a:fillRef>
+          <a:effectRef idx="1">
+            <a:schemeClr val="accent4"/>
+          </a:effectRef>
+          <a:fontRef idx="minor">
+            <a:schemeClr val="dk1"/>
+          </a:fontRef>
+        </p:style>
+        <p:txBody>
+          <a:bodyPr rtlCol="0" anchor="ctr"/>
+          <a:lstStyle/>
+          <a:p>
+            <a:pPr algn="ctr"/>
+            <a:r>
+              <a:rPr lang="en-US" sz="1050" dirty="0" smtClean="0">
+                <a:solidFill>
+                  <a:srgbClr val="7030A0"/>
+                </a:solidFill>
+              </a:rPr>
+              <a:t>Email</a:t>
+            </a:r>
+            <a:endParaRPr lang="en-SG" sz="1050" dirty="0">
+              <a:solidFill>
+                <a:srgbClr val="7030A0"/>
+              </a:solidFill>
+            </a:endParaRPr>
+          </a:p>
+        </p:txBody>
+      </p:sp>
+      <p:cxnSp>
+        <p:nvCxnSpPr>
+          <p:cNvPr id="35" name="Elbow Connector 34"/>
+          <p:cNvCxnSpPr/>
+          <p:nvPr/>
+        </p:nvCxnSpPr>
+        <p:spPr>
+          <a:xfrm>
+            <a:off x="7277995" y="3034891"/>
+            <a:ext cx="434402" cy="318195"/>
+          </a:xfrm>
+          <a:prstGeom prst="bentConnector3">
+            <a:avLst/>
+          </a:prstGeom>
+          <a:ln w="19050">
+            <a:solidFill>
+              <a:srgbClr val="7030A0"/>
+            </a:solidFill>
+            <a:headEnd type="none" w="med" len="med"/>
+            <a:tailEnd type="arrow" w="med" len="med"/>
+          </a:ln>
+          <a:effectLst/>
+        </p:spPr>
+        <p:style>
+          <a:lnRef idx="1">
+            <a:schemeClr val="accent2"/>
+          </a:lnRef>
+          <a:fillRef idx="2">
+            <a:schemeClr val="accent2"/>
+          </a:fillRef>
+          <a:effectRef idx="1">
+            <a:schemeClr val="accent2"/>
+          </a:effectRef>
+          <a:fontRef idx="minor">
+            <a:schemeClr val="dk1"/>
+          </a:fontRef>
+        </p:style>
+      </p:cxnSp>
+      <p:sp>
+        <p:nvSpPr>
+          <p:cNvPr id="36" name="Rectangle 8"/>
+          <p:cNvSpPr/>
+          <p:nvPr/>
+        </p:nvSpPr>
+        <p:spPr>
+          <a:xfrm>
+            <a:off x="7712397" y="3533171"/>
+            <a:ext cx="708186" cy="285783"/>
+          </a:xfrm>
+          <a:prstGeom prst="rect">
+            <a:avLst/>
+          </a:prstGeom>
+          <a:ln w="19050">
+            <a:solidFill>
+              <a:srgbClr val="7030A0"/>
+            </a:solidFill>
+          </a:ln>
+          <a:effectLst/>
+        </p:spPr>
+        <p:style>
+          <a:lnRef idx="1">
+            <a:schemeClr val="accent4"/>
+          </a:lnRef>
+          <a:fillRef idx="2">
+            <a:schemeClr val="accent4"/>
+          </a:fillRef>
+          <a:effectRef idx="1">
+            <a:schemeClr val="accent4"/>
+          </a:effectRef>
+          <a:fontRef idx="minor">
+            <a:schemeClr val="dk1"/>
+          </a:fontRef>
+        </p:style>
+        <p:txBody>
+          <a:bodyPr rtlCol="0" anchor="ctr"/>
+          <a:lstStyle/>
+          <a:p>
+            <a:pPr algn="ctr"/>
+            <a:r>
+              <a:rPr lang="en-US" sz="1050" dirty="0" smtClean="0">
+                <a:solidFill>
+                  <a:srgbClr val="7030A0"/>
+                </a:solidFill>
+              </a:rPr>
+              <a:t>Address</a:t>
+            </a:r>
+            <a:endParaRPr lang="en-SG" sz="1050" dirty="0">
+              <a:solidFill>
+                <a:srgbClr val="7030A0"/>
+              </a:solidFill>
+            </a:endParaRPr>
+          </a:p>
+        </p:txBody>
+      </p:sp>
+      <p:cxnSp>
+        <p:nvCxnSpPr>
+          <p:cNvPr id="37" name="Elbow Connector 36"/>
+          <p:cNvCxnSpPr/>
+          <p:nvPr/>
+        </p:nvCxnSpPr>
+        <p:spPr>
+          <a:xfrm>
+            <a:off x="7277995" y="3034891"/>
+            <a:ext cx="434402" cy="641172"/>
+          </a:xfrm>
+          <a:prstGeom prst="bentConnector3">
+            <a:avLst/>
+          </a:prstGeom>
+          <a:ln w="19050">
+            <a:solidFill>
+              <a:srgbClr val="7030A0"/>
+            </a:solidFill>
+            <a:headEnd type="none" w="med" len="med"/>
+            <a:tailEnd type="arrow" w="med" len="med"/>
+          </a:ln>
+          <a:effectLst/>
+        </p:spPr>
+        <p:style>
+          <a:lnRef idx="1">
+            <a:schemeClr val="accent2"/>
+          </a:lnRef>
+          <a:fillRef idx="2">
+            <a:schemeClr val="accent2"/>
+          </a:fillRef>
+          <a:effectRef idx="1">
+            <a:schemeClr val="accent2"/>
+          </a:effectRef>
+          <a:fontRef idx="minor">
+            <a:schemeClr val="dk1"/>
+          </a:fontRef>
+        </p:style>
+      </p:cxnSp>
+      <p:cxnSp>
+        <p:nvCxnSpPr>
+          <p:cNvPr id="38" name="Elbow Connector 63"/>
+          <p:cNvCxnSpPr/>
+          <p:nvPr/>
+        </p:nvCxnSpPr>
+        <p:spPr>
+          <a:xfrm rot="16200000" flipH="1">
+            <a:off x="3279321" y="2485431"/>
+            <a:ext cx="293825" cy="1"/>
+          </a:xfrm>
+          <a:prstGeom prst="bentConnector3">
+            <a:avLst>
+              <a:gd name="adj1" fmla="val 50000"/>
+            </a:avLst>
+          </a:prstGeom>
+          <a:ln w="19050">
+            <a:solidFill>
+              <a:srgbClr val="7030A0"/>
+            </a:solidFill>
+            <a:prstDash val="sysDot"/>
+            <a:headEnd type="none" w="med" len="med"/>
+            <a:tailEnd type="none" w="med" len="med"/>
+          </a:ln>
+          <a:effectLst/>
+        </p:spPr>
+        <p:style>
+          <a:lnRef idx="1">
+            <a:schemeClr val="accent2"/>
+          </a:lnRef>
+          <a:fillRef idx="2">
+            <a:schemeClr val="accent2"/>
+          </a:fillRef>
+          <a:effectRef idx="1">
+            <a:schemeClr val="accent2"/>
+          </a:effectRef>
+          <a:fontRef idx="minor">
+            <a:schemeClr val="dk1"/>
+          </a:fontRef>
+        </p:style>
+      </p:cxnSp>
+      <p:sp>
+        <p:nvSpPr>
+          <p:cNvPr id="39" name="Isosceles Triangle 102"/>
+          <p:cNvSpPr/>
+          <p:nvPr/>
+        </p:nvSpPr>
+        <p:spPr>
+          <a:xfrm rot="10800000" flipV="1">
+            <a:off x="3290981" y="2162997"/>
+            <a:ext cx="270504" cy="175523"/>
+          </a:xfrm>
+          <a:prstGeom prst="triangle">
+            <a:avLst/>
+          </a:prstGeom>
+          <a:ln w="19050">
+            <a:solidFill>
+              <a:srgbClr val="7030A0"/>
+            </a:solidFill>
+          </a:ln>
+          <a:effectLst/>
+        </p:spPr>
+        <p:style>
+          <a:lnRef idx="1">
+            <a:schemeClr val="accent4"/>
+          </a:lnRef>
+          <a:fillRef idx="2">
+            <a:schemeClr val="accent4"/>
+          </a:fillRef>
+          <a:effectRef idx="1">
+            <a:schemeClr val="accent4"/>
+          </a:effectRef>
+          <a:fontRef idx="minor">
+            <a:schemeClr val="dk1"/>
+          </a:fontRef>
+        </p:style>
+        <p:txBody>
+          <a:bodyPr rtlCol="0" anchor="ctr"/>
+          <a:lstStyle/>
+          <a:p>
+            <a:pPr algn="ctr"/>
+            <a:endParaRPr lang="en-SG" sz="1050" b="1">
+              <a:solidFill>
+                <a:srgbClr val="92D050"/>
+              </a:solidFill>
+            </a:endParaRPr>
+          </a:p>
+        </p:txBody>
+      </p:sp>
+      <p:sp>
+        <p:nvSpPr>
+          <p:cNvPr id="40" name="Rectangle 8"/>
+          <p:cNvSpPr/>
+          <p:nvPr/>
+        </p:nvSpPr>
+        <p:spPr>
+          <a:xfrm>
+            <a:off x="2660303" y="1806470"/>
+            <a:ext cx="1539926" cy="346760"/>
+          </a:xfrm>
+          <a:prstGeom prst="rect">
+            <a:avLst/>
+          </a:prstGeom>
+          <a:ln w="19050">
+            <a:solidFill>
+              <a:srgbClr val="7030A0"/>
+            </a:solidFill>
+          </a:ln>
+          <a:effectLst/>
+        </p:spPr>
+        <p:style>
+          <a:lnRef idx="1">
+            <a:schemeClr val="accent4"/>
+          </a:lnRef>
+          <a:fillRef idx="2">
+            <a:schemeClr val="accent4"/>
+          </a:fillRef>
+          <a:effectRef idx="1">
+            <a:schemeClr val="accent4"/>
+          </a:effectRef>
+          <a:fontRef idx="minor">
+            <a:schemeClr val="dk1"/>
+          </a:fontRef>
+        </p:style>
+        <p:txBody>
+          <a:bodyPr rtlCol="0" anchor="ctr"/>
+          <a:lstStyle/>
+          <a:p>
+            <a:pPr algn="ctr"/>
+            <a:r>
+              <a:rPr lang="en-US" sz="1050" dirty="0" smtClean="0">
+                <a:solidFill>
+                  <a:srgbClr val="7030A0"/>
+                </a:solidFill>
+              </a:rPr>
+              <a:t>&lt;&lt;interface&gt;&gt;</a:t>
+            </a:r>
+            <a:br>
+              <a:rPr lang="en-US" sz="1050" dirty="0" smtClean="0">
+                <a:solidFill>
+                  <a:srgbClr val="7030A0"/>
+                </a:solidFill>
+              </a:rPr>
+            </a:br>
+            <a:r>
+              <a:rPr lang="en-US" sz="1050" dirty="0" err="1" smtClean="0">
+                <a:solidFill>
+                  <a:srgbClr val="7030A0"/>
+                </a:solidFill>
+              </a:rPr>
+              <a:t>ReadOnlyAddressBook</a:t>
+            </a:r>
+            <a:endParaRPr lang="en-SG" sz="1050" dirty="0">
+              <a:solidFill>
+                <a:srgbClr val="7030A0"/>
+              </a:solidFill>
+            </a:endParaRPr>
+          </a:p>
+        </p:txBody>
+      </p:sp>
+      <p:sp>
+        <p:nvSpPr>
+          <p:cNvPr id="41" name="TextBox 40"/>
+          <p:cNvSpPr txBox="1"/>
+          <p:nvPr/>
+        </p:nvSpPr>
+        <p:spPr>
+          <a:xfrm rot="16200000">
+            <a:off x="6527512" y="3586305"/>
+            <a:ext cx="881018" cy="261610"/>
+          </a:xfrm>
+          <a:prstGeom prst="rect">
+            <a:avLst/>
+          </a:prstGeom>
+          <a:noFill/>
+        </p:spPr>
+        <p:txBody>
+          <a:bodyPr wrap="square" rtlCol="0">
+            <a:spAutoFit/>
+          </a:bodyPr>
+          <a:lstStyle/>
+          <a:p>
+            <a:pPr algn="r"/>
+            <a:r>
+              <a:rPr lang="en-US" sz="1100" dirty="0" smtClean="0">
+                <a:solidFill>
+                  <a:srgbClr val="7030A0"/>
+                </a:solidFill>
+              </a:rPr>
+              <a:t>filtered list</a:t>
+            </a:r>
+            <a:endParaRPr lang="en-SG" sz="1100" dirty="0">
+              <a:solidFill>
+                <a:srgbClr val="7030A0"/>
+              </a:solidFill>
+            </a:endParaRPr>
+          </a:p>
+        </p:txBody>
+      </p:sp>
+      <p:sp>
+        <p:nvSpPr>
+          <p:cNvPr id="42" name="Rectangle 8"/>
+          <p:cNvSpPr/>
+          <p:nvPr/>
+        </p:nvSpPr>
+        <p:spPr>
+          <a:xfrm>
+            <a:off x="2057401" y="4239491"/>
+            <a:ext cx="1066800" cy="346760"/>
+          </a:xfrm>
+          <a:prstGeom prst="rect">
+            <a:avLst/>
+          </a:prstGeom>
+          <a:ln w="19050">
+            <a:solidFill>
+              <a:srgbClr val="7030A0"/>
+            </a:solidFill>
+          </a:ln>
+          <a:effectLst/>
+        </p:spPr>
+        <p:style>
+          <a:lnRef idx="1">
+            <a:schemeClr val="accent4"/>
+          </a:lnRef>
+          <a:fillRef idx="2">
+            <a:schemeClr val="accent4"/>
+          </a:fillRef>
+          <a:effectRef idx="1">
+            <a:schemeClr val="accent4"/>
+          </a:effectRef>
+          <a:fontRef idx="minor">
+            <a:schemeClr val="dk1"/>
+          </a:fontRef>
+        </p:style>
+        <p:txBody>
+          <a:bodyPr rtlCol="0" anchor="ctr"/>
+          <a:lstStyle/>
+          <a:p>
+            <a:pPr algn="ctr"/>
+            <a:r>
+              <a:rPr lang="en-US" sz="1050" dirty="0" smtClean="0">
+                <a:solidFill>
+                  <a:srgbClr val="7030A0"/>
+                </a:solidFill>
+              </a:rPr>
+              <a:t>&lt;&lt;interface&gt;&gt;</a:t>
+            </a:r>
+            <a:r>
+              <a:rPr lang="en-US" sz="1050">
+                <a:solidFill>
+                  <a:srgbClr val="7030A0"/>
+                </a:solidFill>
+              </a:rPr>
+              <a:t/>
+            </a:r>
+            <a:br>
+              <a:rPr lang="en-US" sz="1050">
+                <a:solidFill>
+                  <a:srgbClr val="7030A0"/>
+                </a:solidFill>
+              </a:rPr>
+            </a:br>
+            <a:r>
+              <a:rPr lang="en-US" sz="1050" dirty="0" err="1" smtClean="0">
+                <a:solidFill>
+                  <a:srgbClr val="7030A0"/>
+                </a:solidFill>
+              </a:rPr>
+              <a:t>ObservableList</a:t>
+            </a:r>
+            <a:endParaRPr lang="en-SG" sz="1050" dirty="0">
+              <a:solidFill>
+                <a:srgbClr val="7030A0"/>
+              </a:solidFill>
+            </a:endParaRPr>
+          </a:p>
+        </p:txBody>
+      </p:sp>
+      <p:cxnSp>
+        <p:nvCxnSpPr>
+          <p:cNvPr id="43" name="Elbow Connector 122"/>
+          <p:cNvCxnSpPr/>
+          <p:nvPr/>
+        </p:nvCxnSpPr>
+        <p:spPr>
+          <a:xfrm rot="16200000" flipH="1">
+            <a:off x="1364475" y="3719944"/>
+            <a:ext cx="831471" cy="554381"/>
+          </a:xfrm>
+          <a:prstGeom prst="bentConnector2">
+            <a:avLst/>
+          </a:prstGeom>
+          <a:ln w="19050">
+            <a:solidFill>
+              <a:srgbClr val="7030A0"/>
+            </a:solidFill>
+            <a:prstDash val="sysDot"/>
+            <a:headEnd type="none" w="med" len="med"/>
+            <a:tailEnd type="arrow" w="med" len="med"/>
+          </a:ln>
+          <a:effectLst/>
+        </p:spPr>
+        <p:style>
+          <a:lnRef idx="1">
+            <a:schemeClr val="accent2"/>
+          </a:lnRef>
+          <a:fillRef idx="2">
+            <a:schemeClr val="accent2"/>
+          </a:fillRef>
+          <a:effectRef idx="1">
+            <a:schemeClr val="accent2"/>
+          </a:effectRef>
+          <a:fontRef idx="minor">
+            <a:schemeClr val="dk1"/>
+          </a:fontRef>
+        </p:style>
+      </p:cxnSp>
+      <p:cxnSp>
+        <p:nvCxnSpPr>
+          <p:cNvPr id="44" name="Elbow Connector 43"/>
+          <p:cNvCxnSpPr/>
+          <p:nvPr/>
+        </p:nvCxnSpPr>
+        <p:spPr>
+          <a:xfrm rot="16200000" flipV="1">
+            <a:off x="5948976" y="2139271"/>
+            <a:ext cx="404117" cy="1033473"/>
+          </a:xfrm>
+          <a:prstGeom prst="bentConnector2">
+            <a:avLst/>
+          </a:prstGeom>
+          <a:ln w="19050">
+            <a:solidFill>
+              <a:srgbClr val="7030A0"/>
+            </a:solidFill>
+            <a:headEnd type="none" w="med" len="med"/>
+            <a:tailEnd type="arrow" w="med" len="med"/>
+          </a:ln>
+          <a:effectLst/>
+        </p:spPr>
+        <p:style>
+          <a:lnRef idx="1">
+            <a:schemeClr val="accent2"/>
+          </a:lnRef>
+          <a:fillRef idx="2">
+            <a:schemeClr val="accent2"/>
+          </a:fillRef>
+          <a:effectRef idx="1">
+            <a:schemeClr val="accent2"/>
+          </a:effectRef>
+          <a:fontRef idx="minor">
+            <a:schemeClr val="dk1"/>
+          </a:fontRef>
+        </p:style>
+      </p:cxnSp>
+      <p:sp>
+        <p:nvSpPr>
+          <p:cNvPr id="45" name="TextBox 44"/>
+          <p:cNvSpPr txBox="1"/>
+          <p:nvPr/>
+        </p:nvSpPr>
+        <p:spPr>
+          <a:xfrm>
+            <a:off x="4324972" y="2191228"/>
+            <a:ext cx="189257" cy="178683"/>
+          </a:xfrm>
+          <a:prstGeom prst="rect">
+            <a:avLst/>
+          </a:prstGeom>
+          <a:noFill/>
+        </p:spPr>
+        <p:txBody>
+          <a:bodyPr wrap="square" lIns="0" tIns="0" rIns="0" bIns="0" rtlCol="0">
+            <a:noAutofit/>
+          </a:bodyPr>
+          <a:lstStyle/>
+          <a:p>
+            <a:pPr algn="ctr"/>
+            <a:r>
+              <a:rPr lang="en-US" sz="1100" dirty="0" smtClean="0">
+                <a:solidFill>
+                  <a:srgbClr val="7030A0"/>
+                </a:solidFill>
+              </a:rPr>
+              <a:t>1</a:t>
+            </a:r>
+            <a:endParaRPr lang="en-SG" sz="1100" dirty="0">
+              <a:solidFill>
+                <a:srgbClr val="7030A0"/>
+              </a:solidFill>
+            </a:endParaRPr>
+          </a:p>
+        </p:txBody>
+      </p:sp>
+      <p:sp>
+        <p:nvSpPr>
+          <p:cNvPr id="46" name="TextBox 45"/>
+          <p:cNvSpPr txBox="1"/>
+          <p:nvPr/>
+        </p:nvSpPr>
+        <p:spPr>
+          <a:xfrm>
+            <a:off x="4324972" y="3058864"/>
+            <a:ext cx="189257" cy="178683"/>
+          </a:xfrm>
+          <a:prstGeom prst="rect">
+            <a:avLst/>
+          </a:prstGeom>
+          <a:noFill/>
+        </p:spPr>
+        <p:txBody>
+          <a:bodyPr wrap="square" lIns="0" tIns="0" rIns="0" bIns="0" rtlCol="0">
+            <a:noAutofit/>
+          </a:bodyPr>
+          <a:lstStyle/>
+          <a:p>
+            <a:pPr algn="ctr"/>
+            <a:r>
+              <a:rPr lang="en-US" sz="1100" dirty="0" smtClean="0">
+                <a:solidFill>
+                  <a:srgbClr val="7030A0"/>
+                </a:solidFill>
+              </a:rPr>
+              <a:t>1</a:t>
+            </a:r>
+            <a:endParaRPr lang="en-SG" sz="1100" dirty="0">
+              <a:solidFill>
+                <a:srgbClr val="7030A0"/>
+              </a:solidFill>
+            </a:endParaRPr>
+          </a:p>
+        </p:txBody>
+      </p:sp>
+      <p:sp>
+        <p:nvSpPr>
+          <p:cNvPr id="47" name="TextBox 46"/>
+          <p:cNvSpPr txBox="1"/>
+          <p:nvPr/>
+        </p:nvSpPr>
+        <p:spPr>
+          <a:xfrm>
+            <a:off x="5689761" y="2495413"/>
+            <a:ext cx="189257" cy="178683"/>
+          </a:xfrm>
+          <a:prstGeom prst="rect">
+            <a:avLst/>
+          </a:prstGeom>
+          <a:noFill/>
+        </p:spPr>
+        <p:txBody>
+          <a:bodyPr wrap="square" lIns="0" tIns="0" rIns="0" bIns="0" rtlCol="0">
+            <a:noAutofit/>
+          </a:bodyPr>
+          <a:lstStyle/>
+          <a:p>
+            <a:pPr algn="ctr"/>
+            <a:r>
+              <a:rPr lang="en-US" sz="1100" dirty="0" smtClean="0">
+                <a:solidFill>
+                  <a:srgbClr val="7030A0"/>
+                </a:solidFill>
+              </a:rPr>
+              <a:t>1</a:t>
+            </a:r>
+            <a:endParaRPr lang="en-SG" sz="1100" dirty="0">
+              <a:solidFill>
+                <a:srgbClr val="7030A0"/>
+              </a:solidFill>
+            </a:endParaRPr>
+          </a:p>
+        </p:txBody>
+      </p:sp>
+      <p:sp>
+        <p:nvSpPr>
+          <p:cNvPr id="48" name="TextBox 47"/>
+          <p:cNvSpPr txBox="1"/>
+          <p:nvPr/>
+        </p:nvSpPr>
+        <p:spPr>
+          <a:xfrm>
+            <a:off x="5163172" y="1778919"/>
+            <a:ext cx="189257" cy="178683"/>
+          </a:xfrm>
+          <a:prstGeom prst="rect">
+            <a:avLst/>
+          </a:prstGeom>
+          <a:noFill/>
+        </p:spPr>
+        <p:txBody>
+          <a:bodyPr wrap="square" lIns="0" tIns="0" rIns="0" bIns="0" rtlCol="0">
+            <a:noAutofit/>
+          </a:bodyPr>
+          <a:lstStyle/>
+          <a:p>
+            <a:pPr algn="ctr"/>
+            <a:r>
+              <a:rPr lang="en-US" sz="1100" dirty="0" smtClean="0">
+                <a:solidFill>
+                  <a:srgbClr val="7030A0"/>
+                </a:solidFill>
+              </a:rPr>
+              <a:t>*</a:t>
+            </a:r>
+            <a:endParaRPr lang="en-SG" sz="1100" dirty="0">
+              <a:solidFill>
+                <a:srgbClr val="7030A0"/>
+              </a:solidFill>
+            </a:endParaRPr>
+          </a:p>
+        </p:txBody>
+      </p:sp>
+      <p:sp>
+        <p:nvSpPr>
+          <p:cNvPr id="49" name="TextBox 48"/>
+          <p:cNvSpPr txBox="1"/>
+          <p:nvPr/>
+        </p:nvSpPr>
+        <p:spPr>
+          <a:xfrm>
+            <a:off x="6135256" y="3097917"/>
+            <a:ext cx="189257" cy="178683"/>
+          </a:xfrm>
+          <a:prstGeom prst="rect">
+            <a:avLst/>
+          </a:prstGeom>
+          <a:noFill/>
+        </p:spPr>
+        <p:txBody>
+          <a:bodyPr wrap="square" lIns="0" tIns="0" rIns="0" bIns="0" rtlCol="0">
+            <a:noAutofit/>
+          </a:bodyPr>
+          <a:lstStyle/>
+          <a:p>
+            <a:pPr algn="ctr"/>
+            <a:r>
+              <a:rPr lang="en-US" sz="1100" dirty="0" smtClean="0">
+                <a:solidFill>
+                  <a:srgbClr val="7030A0"/>
+                </a:solidFill>
+              </a:rPr>
+              <a:t>*</a:t>
+            </a:r>
+            <a:endParaRPr lang="en-SG" sz="1100" dirty="0">
+              <a:solidFill>
+                <a:srgbClr val="7030A0"/>
+              </a:solidFill>
+            </a:endParaRPr>
+          </a:p>
+        </p:txBody>
+      </p:sp>
+      <p:sp>
+        <p:nvSpPr>
+          <p:cNvPr id="50" name="TextBox 49"/>
+          <p:cNvSpPr txBox="1"/>
+          <p:nvPr/>
+        </p:nvSpPr>
+        <p:spPr>
+          <a:xfrm>
+            <a:off x="2667000" y="2488317"/>
+            <a:ext cx="189257" cy="178683"/>
+          </a:xfrm>
+          <a:prstGeom prst="rect">
+            <a:avLst/>
+          </a:prstGeom>
+          <a:noFill/>
+        </p:spPr>
+        <p:txBody>
+          <a:bodyPr wrap="square" lIns="0" tIns="0" rIns="0" bIns="0" rtlCol="0">
+            <a:noAutofit/>
+          </a:bodyPr>
+          <a:lstStyle/>
+          <a:p>
+            <a:pPr algn="ctr"/>
+            <a:r>
+              <a:rPr lang="en-US" sz="1100" dirty="0" smtClean="0">
+                <a:solidFill>
+                  <a:srgbClr val="7030A0"/>
+                </a:solidFill>
+              </a:rPr>
+              <a:t>1</a:t>
+            </a:r>
+            <a:endParaRPr lang="en-SG" sz="1100" dirty="0">
+              <a:solidFill>
+                <a:srgbClr val="7030A0"/>
+              </a:solidFill>
+            </a:endParaRPr>
+          </a:p>
+        </p:txBody>
+      </p:sp>
+      <p:sp>
+        <p:nvSpPr>
+          <p:cNvPr id="51" name="TextBox 50"/>
+          <p:cNvSpPr txBox="1"/>
+          <p:nvPr/>
+        </p:nvSpPr>
+        <p:spPr>
+          <a:xfrm>
+            <a:off x="2656370" y="2869317"/>
+            <a:ext cx="189257" cy="178683"/>
+          </a:xfrm>
+          <a:prstGeom prst="rect">
+            <a:avLst/>
+          </a:prstGeom>
+          <a:noFill/>
+        </p:spPr>
+        <p:txBody>
+          <a:bodyPr wrap="square" lIns="0" tIns="0" rIns="0" bIns="0" rtlCol="0">
+            <a:noAutofit/>
+          </a:bodyPr>
+          <a:lstStyle/>
+          <a:p>
+            <a:pPr algn="ctr"/>
+            <a:r>
+              <a:rPr lang="en-US" sz="1100" dirty="0" smtClean="0">
+                <a:solidFill>
+                  <a:srgbClr val="7030A0"/>
+                </a:solidFill>
+              </a:rPr>
+              <a:t>1</a:t>
+            </a:r>
+            <a:endParaRPr lang="en-SG" sz="1100" dirty="0">
+              <a:solidFill>
+                <a:srgbClr val="7030A0"/>
+              </a:solidFill>
+            </a:endParaRPr>
+          </a:p>
+        </p:txBody>
+      </p:sp>
+      <p:sp>
+        <p:nvSpPr>
+          <p:cNvPr id="52" name="TextBox 51"/>
+          <p:cNvSpPr txBox="1"/>
+          <p:nvPr/>
+        </p:nvSpPr>
+        <p:spPr>
+          <a:xfrm>
+            <a:off x="6667770" y="3210194"/>
+            <a:ext cx="189257" cy="178683"/>
+          </a:xfrm>
+          <a:prstGeom prst="rect">
+            <a:avLst/>
+          </a:prstGeom>
+          <a:noFill/>
+        </p:spPr>
+        <p:txBody>
+          <a:bodyPr wrap="square" lIns="0" tIns="0" rIns="0" bIns="0" rtlCol="0">
+            <a:noAutofit/>
+          </a:bodyPr>
+          <a:lstStyle/>
+          <a:p>
+            <a:pPr algn="ctr"/>
+            <a:r>
+              <a:rPr lang="en-US" sz="1100" dirty="0" smtClean="0">
+                <a:solidFill>
+                  <a:srgbClr val="7030A0"/>
+                </a:solidFill>
+              </a:rPr>
+              <a:t>1</a:t>
+            </a:r>
+            <a:endParaRPr lang="en-SG" sz="1100" dirty="0">
+              <a:solidFill>
+                <a:srgbClr val="7030A0"/>
+              </a:solidFill>
+            </a:endParaRPr>
+          </a:p>
+        </p:txBody>
+      </p:sp>
+      <p:sp>
+        <p:nvSpPr>
+          <p:cNvPr id="53" name="Rectangle 8"/>
+          <p:cNvSpPr/>
+          <p:nvPr/>
+        </p:nvSpPr>
+        <p:spPr>
+          <a:xfrm>
+            <a:off x="2862499" y="3312129"/>
+            <a:ext cx="1093635" cy="287682"/>
+          </a:xfrm>
+          <a:prstGeom prst="rect">
+            <a:avLst/>
+          </a:prstGeom>
+          <a:solidFill>
+            <a:srgbClr val="7030A0"/>
+          </a:solidFill>
+          <a:ln w="19050">
+            <a:solidFill>
+              <a:srgbClr val="7030A0"/>
+            </a:solidFill>
+          </a:ln>
+          <a:effectLst/>
+        </p:spPr>
+        <p:style>
+          <a:lnRef idx="1">
+            <a:schemeClr val="accent2"/>
+          </a:lnRef>
+          <a:fillRef idx="2">
+            <a:schemeClr val="accent2"/>
+          </a:fillRef>
+          <a:effectRef idx="1">
+            <a:schemeClr val="accent2"/>
+          </a:effectRef>
+          <a:fontRef idx="minor">
+            <a:schemeClr val="dk1"/>
+          </a:fontRef>
+        </p:style>
+        <p:txBody>
+          <a:bodyPr rtlCol="0" anchor="ctr"/>
+          <a:lstStyle/>
+          <a:p>
+            <a:pPr algn="ctr"/>
+            <a:r>
+              <a:rPr lang="en-US" sz="1050" dirty="0" smtClean="0">
+                <a:solidFill>
+                  <a:schemeClr val="bg1"/>
+                </a:solidFill>
+              </a:rPr>
+              <a:t>Email</a:t>
+            </a:r>
+            <a:endParaRPr lang="en-SG" sz="1050" dirty="0">
+              <a:solidFill>
+                <a:schemeClr val="bg1"/>
+              </a:solidFill>
+            </a:endParaRPr>
+          </a:p>
+        </p:txBody>
+      </p:sp>
+      <p:cxnSp>
+        <p:nvCxnSpPr>
+          <p:cNvPr id="54" name="Straight Arrow Connector 53"/>
+          <p:cNvCxnSpPr/>
+          <p:nvPr/>
+        </p:nvCxnSpPr>
+        <p:spPr>
+          <a:xfrm flipV="1">
+            <a:off x="2667253" y="3471470"/>
+            <a:ext cx="220810" cy="1931"/>
+          </a:xfrm>
+          <a:prstGeom prst="straightConnector1">
+            <a:avLst/>
+          </a:prstGeom>
+          <a:ln w="19050">
+            <a:solidFill>
+              <a:srgbClr val="7030A0"/>
+            </a:solidFill>
+            <a:headEnd type="none" w="med" len="med"/>
+            <a:tailEnd type="arrow" w="med" len="med"/>
+          </a:ln>
+          <a:effectLst/>
+        </p:spPr>
+        <p:style>
+          <a:lnRef idx="1">
+            <a:schemeClr val="accent2"/>
+          </a:lnRef>
+          <a:fillRef idx="2">
+            <a:schemeClr val="accent2"/>
+          </a:fillRef>
+          <a:effectRef idx="1">
+            <a:schemeClr val="accent2"/>
+          </a:effectRef>
+          <a:fontRef idx="minor">
+            <a:schemeClr val="dk1"/>
+          </a:fontRef>
+        </p:style>
+      </p:cxnSp>
+      <p:sp>
+        <p:nvSpPr>
+          <p:cNvPr id="55" name="Flowchart: Decision 96"/>
+          <p:cNvSpPr/>
+          <p:nvPr/>
+        </p:nvSpPr>
+        <p:spPr>
+          <a:xfrm>
+            <a:off x="2415967" y="3382410"/>
+            <a:ext cx="236048" cy="173380"/>
+          </a:xfrm>
+          <a:prstGeom prst="flowChartDecision">
+            <a:avLst/>
+          </a:prstGeom>
+          <a:noFill/>
+          <a:ln w="19050">
+            <a:solidFill>
+              <a:srgbClr val="7030A0"/>
+            </a:solidFill>
+          </a:ln>
+          <a:effectLst/>
+        </p:spPr>
+        <p:style>
+          <a:lnRef idx="1">
+            <a:schemeClr val="accent6"/>
+          </a:lnRef>
+          <a:fillRef idx="2">
+            <a:schemeClr val="accent6"/>
+          </a:fillRef>
+          <a:effectRef idx="1">
+            <a:schemeClr val="accent6"/>
+          </a:effectRef>
+          <a:fontRef idx="minor">
+            <a:schemeClr val="dk1"/>
+          </a:fontRef>
+        </p:style>
+        <p:txBody>
+          <a:bodyPr rtlCol="0" anchor="ctr"/>
+          <a:lstStyle/>
+          <a:p>
+            <a:pPr algn="ctr"/>
+            <a:endParaRPr lang="en-US" sz="1050"/>
+          </a:p>
+        </p:txBody>
+      </p:sp>
+      <p:sp>
+        <p:nvSpPr>
+          <p:cNvPr id="56" name="TextBox 55"/>
+          <p:cNvSpPr txBox="1"/>
+          <p:nvPr/>
+        </p:nvSpPr>
+        <p:spPr>
+          <a:xfrm>
+            <a:off x="2667000" y="3276600"/>
+            <a:ext cx="189257" cy="178683"/>
+          </a:xfrm>
+          <a:prstGeom prst="rect">
+            <a:avLst/>
+          </a:prstGeom>
+          <a:noFill/>
+        </p:spPr>
+        <p:txBody>
+          <a:bodyPr wrap="square" lIns="0" tIns="0" rIns="0" bIns="0" rtlCol="0">
+            <a:noAutofit/>
+          </a:bodyPr>
+          <a:lstStyle/>
+          <a:p>
+            <a:pPr algn="ctr"/>
+            <a:r>
+              <a:rPr lang="en-US" sz="1100" dirty="0" smtClean="0">
+                <a:solidFill>
+                  <a:srgbClr val="7030A0"/>
+                </a:solidFill>
+              </a:rPr>
+              <a:t>1</a:t>
+            </a:r>
+            <a:endParaRPr lang="en-SG" sz="1100" dirty="0">
+              <a:solidFill>
+                <a:srgbClr val="7030A0"/>
+              </a:solidFill>
+            </a:endParaRPr>
+          </a:p>
+        </p:txBody>
+      </p:sp>
+      <p:sp>
+        <p:nvSpPr>
+          <p:cNvPr id="57" name="Rectangle 65"/>
+          <p:cNvSpPr/>
+          <p:nvPr/>
+        </p:nvSpPr>
+        <p:spPr>
+          <a:xfrm>
+            <a:off x="1119865" y="5014015"/>
+            <a:ext cx="7490735" cy="379166"/>
+          </a:xfrm>
+          <a:prstGeom prst="roundRect">
+            <a:avLst>
+              <a:gd name="adj" fmla="val 3484"/>
+            </a:avLst>
+          </a:prstGeom>
+          <a:solidFill>
+            <a:srgbClr val="FFF2C2"/>
+          </a:solidFill>
+          <a:ln w="19050">
+            <a:noFill/>
+          </a:ln>
+          <a:effectLst/>
+        </p:spPr>
+        <p:style>
+          <a:lnRef idx="1">
+            <a:schemeClr val="accent2"/>
+          </a:lnRef>
+          <a:fillRef idx="2">
+            <a:schemeClr val="accent2"/>
+          </a:fillRef>
+          <a:effectRef idx="1">
+            <a:schemeClr val="accent2"/>
+          </a:effectRef>
+          <a:fontRef idx="minor">
+            <a:schemeClr val="dk1"/>
+          </a:fontRef>
+        </p:style>
+        <p:txBody>
+          <a:bodyPr rtlCol="0" anchor="t"/>
+          <a:lstStyle/>
+          <a:p>
+            <a:r>
+              <a:rPr lang="en-US" sz="1200" b="1" dirty="0" smtClean="0">
+                <a:solidFill>
+                  <a:schemeClr val="bg1">
+                    <a:lumMod val="65000"/>
+                  </a:schemeClr>
+                </a:solidFill>
+              </a:rPr>
+              <a:t>Email</a:t>
+            </a:r>
+            <a:endParaRPr lang="en-SG" sz="1200" b="1" dirty="0">
+              <a:solidFill>
+                <a:schemeClr val="bg1">
+                  <a:lumMod val="65000"/>
+                </a:schemeClr>
+              </a:solidFill>
+            </a:endParaRPr>
+          </a:p>
+        </p:txBody>
+      </p:sp>
+      <p:cxnSp>
+        <p:nvCxnSpPr>
+          <p:cNvPr id="65" name="Straight Arrow Connector 64"/>
+          <p:cNvCxnSpPr/>
+          <p:nvPr/>
+        </p:nvCxnSpPr>
+        <p:spPr>
+          <a:xfrm>
+            <a:off x="3505200" y="3610644"/>
+            <a:ext cx="0" cy="1403371"/>
+          </a:xfrm>
+          <a:prstGeom prst="straightConnector1">
+            <a:avLst/>
+          </a:prstGeom>
+          <a:ln w="28575">
+            <a:solidFill>
+              <a:srgbClr val="7030A0"/>
+            </a:solidFill>
+            <a:tailEnd type="triangle"/>
+          </a:ln>
+        </p:spPr>
+        <p:style>
+          <a:lnRef idx="1">
+            <a:schemeClr val="accent1"/>
+          </a:lnRef>
+          <a:fillRef idx="0">
+            <a:schemeClr val="accent1"/>
+          </a:fillRef>
+          <a:effectRef idx="0">
+            <a:schemeClr val="accent1"/>
+          </a:effectRef>
+          <a:fontRef idx="minor">
+            <a:schemeClr val="tx1"/>
+          </a:fontRef>
+        </p:style>
+      </p:cxnSp>
+    </p:spTree>
+    <p:extLst>
+      <p:ext uri="{BB962C8B-B14F-4D97-AF65-F5344CB8AC3E}">
+        <p14:creationId xmlns:p14="http://schemas.microsoft.com/office/powerpoint/2010/main" val="276541438"/>
+      </p:ext>
+    </p:extLst>
+  </p:cSld>
+  <p:clrMapOvr>
+    <a:masterClrMapping/>
+  </p:clrMapOvr>
 </p:sld>
 </file>
 
